--- a/00 - Documentation/sumUp_poster.pptx
+++ b/00 - Documentation/sumUp_poster.pptx
@@ -4,8 +4,12 @@
   <p:sldMasterIdLst>
     <p:sldMasterId id="2147483648" r:id="rId1"/>
   </p:sldMasterIdLst>
+  <p:notesMasterIdLst>
+    <p:notesMasterId r:id="rId4"/>
+  </p:notesMasterIdLst>
   <p:sldIdLst>
     <p:sldId id="256" r:id="rId2"/>
+    <p:sldId id="257" r:id="rId3"/>
   </p:sldIdLst>
   <p:sldSz cx="12192000" cy="6858000"/>
   <p:notesSz cx="6858000" cy="9144000"/>
@@ -112,10 +116,547 @@
             <a:srgbClr val="A4A3A4"/>
           </p15:clr>
         </p15:guide>
+        <p15:guide id="2" pos="3840">
+          <p15:clr>
+            <a:srgbClr val="A4A3A4"/>
+          </p15:clr>
+        </p15:guide>
       </p15:sldGuideLst>
+    </p:ext>
+    <p:ext uri="{2D200454-40CA-4A62-9FC3-DE9A4176ACB9}">
+      <p15:notesGuideLst xmlns:p15="http://schemas.microsoft.com/office/powerpoint/2012/main">
+        <p15:guide id="1" orient="horz" pos="2880" userDrawn="1">
+          <p15:clr>
+            <a:srgbClr val="A4A3A4"/>
+          </p15:clr>
+        </p15:guide>
+        <p15:guide id="2" pos="2160" userDrawn="1">
+          <p15:clr>
+            <a:srgbClr val="A4A3A4"/>
+          </p15:clr>
+        </p15:guide>
+      </p15:notesGuideLst>
     </p:ext>
   </p:extLst>
 </p:presentation>
+</file>
+
+<file path=ppt/notesMasters/notesMaster1.xml><?xml version="1.0" encoding="utf-8"?>
+<p:notesMaster xmlns:a="http://schemas.openxmlformats.org/drawingml/2006/main" xmlns:r="http://schemas.openxmlformats.org/officeDocument/2006/relationships" xmlns:p="http://schemas.openxmlformats.org/presentationml/2006/main">
+  <p:cSld>
+    <p:bg>
+      <p:bgRef idx="1001">
+        <a:schemeClr val="bg1"/>
+      </p:bgRef>
+    </p:bg>
+    <p:spTree>
+      <p:nvGrpSpPr>
+        <p:cNvPr id="1" name=""/>
+        <p:cNvGrpSpPr/>
+        <p:nvPr/>
+      </p:nvGrpSpPr>
+      <p:grpSpPr>
+        <a:xfrm>
+          <a:off x="0" y="0"/>
+          <a:ext cx="0" cy="0"/>
+          <a:chOff x="0" y="0"/>
+          <a:chExt cx="0" cy="0"/>
+        </a:xfrm>
+      </p:grpSpPr>
+      <p:sp>
+        <p:nvSpPr>
+          <p:cNvPr id="2" name="Espace réservé de l'en-tête 1"/>
+          <p:cNvSpPr>
+            <a:spLocks noGrp="1"/>
+          </p:cNvSpPr>
+          <p:nvPr>
+            <p:ph type="hdr" sz="quarter"/>
+          </p:nvPr>
+        </p:nvSpPr>
+        <p:spPr>
+          <a:xfrm>
+            <a:off x="0" y="0"/>
+            <a:ext cx="2971800" cy="458788"/>
+          </a:xfrm>
+          <a:prstGeom prst="rect">
+            <a:avLst/>
+          </a:prstGeom>
+        </p:spPr>
+        <p:txBody>
+          <a:bodyPr vert="horz" lIns="91440" tIns="45720" rIns="91440" bIns="45720" rtlCol="0"/>
+          <a:lstStyle>
+            <a:lvl1pPr algn="l">
+              <a:defRPr sz="1200"/>
+            </a:lvl1pPr>
+          </a:lstStyle>
+          <a:p>
+            <a:endParaRPr lang="de-DE"/>
+          </a:p>
+        </p:txBody>
+      </p:sp>
+      <p:sp>
+        <p:nvSpPr>
+          <p:cNvPr id="3" name="Espace réservé de la date 2"/>
+          <p:cNvSpPr>
+            <a:spLocks noGrp="1"/>
+          </p:cNvSpPr>
+          <p:nvPr>
+            <p:ph type="dt" idx="1"/>
+          </p:nvPr>
+        </p:nvSpPr>
+        <p:spPr>
+          <a:xfrm>
+            <a:off x="3884613" y="0"/>
+            <a:ext cx="2971800" cy="458788"/>
+          </a:xfrm>
+          <a:prstGeom prst="rect">
+            <a:avLst/>
+          </a:prstGeom>
+        </p:spPr>
+        <p:txBody>
+          <a:bodyPr vert="horz" lIns="91440" tIns="45720" rIns="91440" bIns="45720" rtlCol="0"/>
+          <a:lstStyle>
+            <a:lvl1pPr algn="r">
+              <a:defRPr sz="1200"/>
+            </a:lvl1pPr>
+          </a:lstStyle>
+          <a:p>
+            <a:fld id="{045E611F-BD41-4ABB-BE85-E61AA6CCF73E}" type="datetimeFigureOut">
+              <a:rPr lang="de-DE" smtClean="0"/>
+              <a:t>05.04.2022</a:t>
+            </a:fld>
+            <a:endParaRPr lang="de-DE"/>
+          </a:p>
+        </p:txBody>
+      </p:sp>
+      <p:sp>
+        <p:nvSpPr>
+          <p:cNvPr id="4" name="Espace réservé de l'image des diapositives 3"/>
+          <p:cNvSpPr>
+            <a:spLocks noGrp="1" noRot="1" noChangeAspect="1"/>
+          </p:cNvSpPr>
+          <p:nvPr>
+            <p:ph type="sldImg" idx="2"/>
+          </p:nvPr>
+        </p:nvSpPr>
+        <p:spPr>
+          <a:xfrm>
+            <a:off x="685800" y="1143000"/>
+            <a:ext cx="5486400" cy="3086100"/>
+          </a:xfrm>
+          <a:prstGeom prst="rect">
+            <a:avLst/>
+          </a:prstGeom>
+          <a:noFill/>
+          <a:ln w="12700">
+            <a:solidFill>
+              <a:prstClr val="black"/>
+            </a:solidFill>
+          </a:ln>
+        </p:spPr>
+        <p:txBody>
+          <a:bodyPr vert="horz" lIns="91440" tIns="45720" rIns="91440" bIns="45720" rtlCol="0" anchor="ctr"/>
+          <a:lstStyle/>
+          <a:p>
+            <a:endParaRPr lang="de-DE"/>
+          </a:p>
+        </p:txBody>
+      </p:sp>
+      <p:sp>
+        <p:nvSpPr>
+          <p:cNvPr id="5" name="Espace réservé des notes 4"/>
+          <p:cNvSpPr>
+            <a:spLocks noGrp="1"/>
+          </p:cNvSpPr>
+          <p:nvPr>
+            <p:ph type="body" sz="quarter" idx="3"/>
+          </p:nvPr>
+        </p:nvSpPr>
+        <p:spPr>
+          <a:xfrm>
+            <a:off x="685800" y="4400550"/>
+            <a:ext cx="5486400" cy="3600450"/>
+          </a:xfrm>
+          <a:prstGeom prst="rect">
+            <a:avLst/>
+          </a:prstGeom>
+        </p:spPr>
+        <p:txBody>
+          <a:bodyPr vert="horz" lIns="91440" tIns="45720" rIns="91440" bIns="45720" rtlCol="0"/>
+          <a:lstStyle/>
+          <a:p>
+            <a:pPr lvl="0"/>
+            <a:r>
+              <a:rPr lang="fr-FR" smtClean="0"/>
+              <a:t>Modifier les styles du texte du masque</a:t>
+            </a:r>
+          </a:p>
+          <a:p>
+            <a:pPr lvl="1"/>
+            <a:r>
+              <a:rPr lang="fr-FR" smtClean="0"/>
+              <a:t>Deuxième niveau</a:t>
+            </a:r>
+          </a:p>
+          <a:p>
+            <a:pPr lvl="2"/>
+            <a:r>
+              <a:rPr lang="fr-FR" smtClean="0"/>
+              <a:t>Troisième niveau</a:t>
+            </a:r>
+          </a:p>
+          <a:p>
+            <a:pPr lvl="3"/>
+            <a:r>
+              <a:rPr lang="fr-FR" smtClean="0"/>
+              <a:t>Quatrième niveau</a:t>
+            </a:r>
+          </a:p>
+          <a:p>
+            <a:pPr lvl="4"/>
+            <a:r>
+              <a:rPr lang="fr-FR" smtClean="0"/>
+              <a:t>Cinquième niveau</a:t>
+            </a:r>
+            <a:endParaRPr lang="de-DE"/>
+          </a:p>
+        </p:txBody>
+      </p:sp>
+      <p:sp>
+        <p:nvSpPr>
+          <p:cNvPr id="6" name="Espace réservé du pied de page 5"/>
+          <p:cNvSpPr>
+            <a:spLocks noGrp="1"/>
+          </p:cNvSpPr>
+          <p:nvPr>
+            <p:ph type="ftr" sz="quarter" idx="4"/>
+          </p:nvPr>
+        </p:nvSpPr>
+        <p:spPr>
+          <a:xfrm>
+            <a:off x="0" y="8685213"/>
+            <a:ext cx="2971800" cy="458787"/>
+          </a:xfrm>
+          <a:prstGeom prst="rect">
+            <a:avLst/>
+          </a:prstGeom>
+        </p:spPr>
+        <p:txBody>
+          <a:bodyPr vert="horz" lIns="91440" tIns="45720" rIns="91440" bIns="45720" rtlCol="0" anchor="b"/>
+          <a:lstStyle>
+            <a:lvl1pPr algn="l">
+              <a:defRPr sz="1200"/>
+            </a:lvl1pPr>
+          </a:lstStyle>
+          <a:p>
+            <a:endParaRPr lang="de-DE"/>
+          </a:p>
+        </p:txBody>
+      </p:sp>
+      <p:sp>
+        <p:nvSpPr>
+          <p:cNvPr id="7" name="Espace réservé du numéro de diapositive 6"/>
+          <p:cNvSpPr>
+            <a:spLocks noGrp="1"/>
+          </p:cNvSpPr>
+          <p:nvPr>
+            <p:ph type="sldNum" sz="quarter" idx="5"/>
+          </p:nvPr>
+        </p:nvSpPr>
+        <p:spPr>
+          <a:xfrm>
+            <a:off x="3884613" y="8685213"/>
+            <a:ext cx="2971800" cy="458787"/>
+          </a:xfrm>
+          <a:prstGeom prst="rect">
+            <a:avLst/>
+          </a:prstGeom>
+        </p:spPr>
+        <p:txBody>
+          <a:bodyPr vert="horz" lIns="91440" tIns="45720" rIns="91440" bIns="45720" rtlCol="0" anchor="b"/>
+          <a:lstStyle>
+            <a:lvl1pPr algn="r">
+              <a:defRPr sz="1200"/>
+            </a:lvl1pPr>
+          </a:lstStyle>
+          <a:p>
+            <a:fld id="{DF4758ED-7B7D-4A52-B332-819C6E2C5A52}" type="slidenum">
+              <a:rPr lang="de-DE" smtClean="0"/>
+              <a:t>‹N°›</a:t>
+            </a:fld>
+            <a:endParaRPr lang="de-DE"/>
+          </a:p>
+        </p:txBody>
+      </p:sp>
+    </p:spTree>
+    <p:extLst>
+      <p:ext uri="{BB962C8B-B14F-4D97-AF65-F5344CB8AC3E}">
+        <p14:creationId xmlns:p14="http://schemas.microsoft.com/office/powerpoint/2010/main" val="465599889"/>
+      </p:ext>
+    </p:extLst>
+  </p:cSld>
+  <p:clrMap bg1="lt1" tx1="dk1" bg2="lt2" tx2="dk2" accent1="accent1" accent2="accent2" accent3="accent3" accent4="accent4" accent5="accent5" accent6="accent6" hlink="hlink" folHlink="folHlink"/>
+  <p:notesStyle>
+    <a:lvl1pPr marL="0" algn="l" defTabSz="914400" rtl="0" eaLnBrk="1" latinLnBrk="0" hangingPunct="1">
+      <a:defRPr sz="1200" kern="1200">
+        <a:solidFill>
+          <a:schemeClr val="tx1"/>
+        </a:solidFill>
+        <a:latin typeface="+mn-lt"/>
+        <a:ea typeface="+mn-ea"/>
+        <a:cs typeface="+mn-cs"/>
+      </a:defRPr>
+    </a:lvl1pPr>
+    <a:lvl2pPr marL="457200" algn="l" defTabSz="914400" rtl="0" eaLnBrk="1" latinLnBrk="0" hangingPunct="1">
+      <a:defRPr sz="1200" kern="1200">
+        <a:solidFill>
+          <a:schemeClr val="tx1"/>
+        </a:solidFill>
+        <a:latin typeface="+mn-lt"/>
+        <a:ea typeface="+mn-ea"/>
+        <a:cs typeface="+mn-cs"/>
+      </a:defRPr>
+    </a:lvl2pPr>
+    <a:lvl3pPr marL="914400" algn="l" defTabSz="914400" rtl="0" eaLnBrk="1" latinLnBrk="0" hangingPunct="1">
+      <a:defRPr sz="1200" kern="1200">
+        <a:solidFill>
+          <a:schemeClr val="tx1"/>
+        </a:solidFill>
+        <a:latin typeface="+mn-lt"/>
+        <a:ea typeface="+mn-ea"/>
+        <a:cs typeface="+mn-cs"/>
+      </a:defRPr>
+    </a:lvl3pPr>
+    <a:lvl4pPr marL="1371600" algn="l" defTabSz="914400" rtl="0" eaLnBrk="1" latinLnBrk="0" hangingPunct="1">
+      <a:defRPr sz="1200" kern="1200">
+        <a:solidFill>
+          <a:schemeClr val="tx1"/>
+        </a:solidFill>
+        <a:latin typeface="+mn-lt"/>
+        <a:ea typeface="+mn-ea"/>
+        <a:cs typeface="+mn-cs"/>
+      </a:defRPr>
+    </a:lvl4pPr>
+    <a:lvl5pPr marL="1828800" algn="l" defTabSz="914400" rtl="0" eaLnBrk="1" latinLnBrk="0" hangingPunct="1">
+      <a:defRPr sz="1200" kern="1200">
+        <a:solidFill>
+          <a:schemeClr val="tx1"/>
+        </a:solidFill>
+        <a:latin typeface="+mn-lt"/>
+        <a:ea typeface="+mn-ea"/>
+        <a:cs typeface="+mn-cs"/>
+      </a:defRPr>
+    </a:lvl5pPr>
+    <a:lvl6pPr marL="2286000" algn="l" defTabSz="914400" rtl="0" eaLnBrk="1" latinLnBrk="0" hangingPunct="1">
+      <a:defRPr sz="1200" kern="1200">
+        <a:solidFill>
+          <a:schemeClr val="tx1"/>
+        </a:solidFill>
+        <a:latin typeface="+mn-lt"/>
+        <a:ea typeface="+mn-ea"/>
+        <a:cs typeface="+mn-cs"/>
+      </a:defRPr>
+    </a:lvl6pPr>
+    <a:lvl7pPr marL="2743200" algn="l" defTabSz="914400" rtl="0" eaLnBrk="1" latinLnBrk="0" hangingPunct="1">
+      <a:defRPr sz="1200" kern="1200">
+        <a:solidFill>
+          <a:schemeClr val="tx1"/>
+        </a:solidFill>
+        <a:latin typeface="+mn-lt"/>
+        <a:ea typeface="+mn-ea"/>
+        <a:cs typeface="+mn-cs"/>
+      </a:defRPr>
+    </a:lvl7pPr>
+    <a:lvl8pPr marL="3200400" algn="l" defTabSz="914400" rtl="0" eaLnBrk="1" latinLnBrk="0" hangingPunct="1">
+      <a:defRPr sz="1200" kern="1200">
+        <a:solidFill>
+          <a:schemeClr val="tx1"/>
+        </a:solidFill>
+        <a:latin typeface="+mn-lt"/>
+        <a:ea typeface="+mn-ea"/>
+        <a:cs typeface="+mn-cs"/>
+      </a:defRPr>
+    </a:lvl8pPr>
+    <a:lvl9pPr marL="3657600" algn="l" defTabSz="914400" rtl="0" eaLnBrk="1" latinLnBrk="0" hangingPunct="1">
+      <a:defRPr sz="1200" kern="1200">
+        <a:solidFill>
+          <a:schemeClr val="tx1"/>
+        </a:solidFill>
+        <a:latin typeface="+mn-lt"/>
+        <a:ea typeface="+mn-ea"/>
+        <a:cs typeface="+mn-cs"/>
+      </a:defRPr>
+    </a:lvl9pPr>
+  </p:notesStyle>
+</p:notesMaster>
+</file>
+
+<file path=ppt/notesSlides/notesSlide1.xml><?xml version="1.0" encoding="utf-8"?>
+<p:notes xmlns:a="http://schemas.openxmlformats.org/drawingml/2006/main" xmlns:r="http://schemas.openxmlformats.org/officeDocument/2006/relationships" xmlns:p="http://schemas.openxmlformats.org/presentationml/2006/main">
+  <p:cSld>
+    <p:spTree>
+      <p:nvGrpSpPr>
+        <p:cNvPr id="1" name=""/>
+        <p:cNvGrpSpPr/>
+        <p:nvPr/>
+      </p:nvGrpSpPr>
+      <p:grpSpPr>
+        <a:xfrm>
+          <a:off x="0" y="0"/>
+          <a:ext cx="0" cy="0"/>
+          <a:chOff x="0" y="0"/>
+          <a:chExt cx="0" cy="0"/>
+        </a:xfrm>
+      </p:grpSpPr>
+      <p:sp>
+        <p:nvSpPr>
+          <p:cNvPr id="2" name="Espace réservé de l'image des diapositives 1"/>
+          <p:cNvSpPr>
+            <a:spLocks noGrp="1" noRot="1" noChangeAspect="1"/>
+          </p:cNvSpPr>
+          <p:nvPr>
+            <p:ph type="sldImg"/>
+          </p:nvPr>
+        </p:nvSpPr>
+        <p:spPr/>
+      </p:sp>
+      <p:sp>
+        <p:nvSpPr>
+          <p:cNvPr id="3" name="Espace réservé des notes 2"/>
+          <p:cNvSpPr>
+            <a:spLocks noGrp="1"/>
+          </p:cNvSpPr>
+          <p:nvPr>
+            <p:ph type="body" idx="1"/>
+          </p:nvPr>
+        </p:nvSpPr>
+        <p:spPr/>
+        <p:txBody>
+          <a:bodyPr/>
+          <a:lstStyle/>
+          <a:p>
+            <a:endParaRPr lang="de-DE"/>
+          </a:p>
+        </p:txBody>
+      </p:sp>
+      <p:sp>
+        <p:nvSpPr>
+          <p:cNvPr id="4" name="Espace réservé du numéro de diapositive 3"/>
+          <p:cNvSpPr>
+            <a:spLocks noGrp="1"/>
+          </p:cNvSpPr>
+          <p:nvPr>
+            <p:ph type="sldNum" sz="quarter" idx="10"/>
+          </p:nvPr>
+        </p:nvSpPr>
+        <p:spPr/>
+        <p:txBody>
+          <a:bodyPr/>
+          <a:lstStyle/>
+          <a:p>
+            <a:fld id="{DF4758ED-7B7D-4A52-B332-819C6E2C5A52}" type="slidenum">
+              <a:rPr lang="de-DE" smtClean="0"/>
+              <a:t>1</a:t>
+            </a:fld>
+            <a:endParaRPr lang="de-DE"/>
+          </a:p>
+        </p:txBody>
+      </p:sp>
+    </p:spTree>
+    <p:extLst>
+      <p:ext uri="{BB962C8B-B14F-4D97-AF65-F5344CB8AC3E}">
+        <p14:creationId xmlns:p14="http://schemas.microsoft.com/office/powerpoint/2010/main" val="2005100116"/>
+      </p:ext>
+    </p:extLst>
+  </p:cSld>
+  <p:clrMapOvr>
+    <a:masterClrMapping/>
+  </p:clrMapOvr>
+</p:notes>
+</file>
+
+<file path=ppt/notesSlides/notesSlide2.xml><?xml version="1.0" encoding="utf-8"?>
+<p:notes xmlns:a="http://schemas.openxmlformats.org/drawingml/2006/main" xmlns:r="http://schemas.openxmlformats.org/officeDocument/2006/relationships" xmlns:p="http://schemas.openxmlformats.org/presentationml/2006/main">
+  <p:cSld>
+    <p:spTree>
+      <p:nvGrpSpPr>
+        <p:cNvPr id="1" name=""/>
+        <p:cNvGrpSpPr/>
+        <p:nvPr/>
+      </p:nvGrpSpPr>
+      <p:grpSpPr>
+        <a:xfrm>
+          <a:off x="0" y="0"/>
+          <a:ext cx="0" cy="0"/>
+          <a:chOff x="0" y="0"/>
+          <a:chExt cx="0" cy="0"/>
+        </a:xfrm>
+      </p:grpSpPr>
+      <p:sp>
+        <p:nvSpPr>
+          <p:cNvPr id="2" name="Espace réservé de l'image des diapositives 1"/>
+          <p:cNvSpPr>
+            <a:spLocks noGrp="1" noRot="1" noChangeAspect="1"/>
+          </p:cNvSpPr>
+          <p:nvPr>
+            <p:ph type="sldImg"/>
+          </p:nvPr>
+        </p:nvSpPr>
+        <p:spPr/>
+      </p:sp>
+      <p:sp>
+        <p:nvSpPr>
+          <p:cNvPr id="3" name="Espace réservé des notes 2"/>
+          <p:cNvSpPr>
+            <a:spLocks noGrp="1"/>
+          </p:cNvSpPr>
+          <p:nvPr>
+            <p:ph type="body" idx="1"/>
+          </p:nvPr>
+        </p:nvSpPr>
+        <p:spPr/>
+        <p:txBody>
+          <a:bodyPr/>
+          <a:lstStyle/>
+          <a:p>
+            <a:endParaRPr lang="de-DE"/>
+          </a:p>
+        </p:txBody>
+      </p:sp>
+      <p:sp>
+        <p:nvSpPr>
+          <p:cNvPr id="4" name="Espace réservé du numéro de diapositive 3"/>
+          <p:cNvSpPr>
+            <a:spLocks noGrp="1"/>
+          </p:cNvSpPr>
+          <p:nvPr>
+            <p:ph type="sldNum" sz="quarter" idx="10"/>
+          </p:nvPr>
+        </p:nvSpPr>
+        <p:spPr/>
+        <p:txBody>
+          <a:bodyPr/>
+          <a:lstStyle/>
+          <a:p>
+            <a:fld id="{DF4758ED-7B7D-4A52-B332-819C6E2C5A52}" type="slidenum">
+              <a:rPr lang="de-DE" smtClean="0"/>
+              <a:t>2</a:t>
+            </a:fld>
+            <a:endParaRPr lang="de-DE"/>
+          </a:p>
+        </p:txBody>
+      </p:sp>
+    </p:spTree>
+    <p:extLst>
+      <p:ext uri="{BB962C8B-B14F-4D97-AF65-F5344CB8AC3E}">
+        <p14:creationId xmlns:p14="http://schemas.microsoft.com/office/powerpoint/2010/main" val="711266262"/>
+      </p:ext>
+    </p:extLst>
+  </p:cSld>
+  <p:clrMapOvr>
+    <a:masterClrMapping/>
+  </p:clrMapOvr>
+</p:notes>
 </file>
 
 <file path=ppt/slideLayouts/slideLayout1.xml><?xml version="1.0" encoding="utf-8"?>
@@ -2975,39 +3516,870 @@
           <a:chExt cx="0" cy="0"/>
         </a:xfrm>
       </p:grpSpPr>
-      <p:pic>
-        <p:nvPicPr>
-          <p:cNvPr id="4" name="Image 3"/>
-          <p:cNvPicPr>
-            <a:picLocks noChangeAspect="1"/>
-          </p:cNvPicPr>
+      <p:sp>
+        <p:nvSpPr>
+          <p:cNvPr id="6" name="ZoneTexte 5"/>
+          <p:cNvSpPr txBox="1"/>
           <p:nvPr/>
-        </p:nvPicPr>
-        <p:blipFill>
-          <a:blip r:embed="rId2" cstate="print">
-            <a:extLst>
-              <a:ext uri="{28A0092B-C50C-407E-A947-70E740481C1C}">
-                <a14:useLocalDpi xmlns:a14="http://schemas.microsoft.com/office/drawing/2010/main" val="0"/>
-              </a:ext>
-            </a:extLst>
-          </a:blip>
-          <a:stretch>
-            <a:fillRect/>
-          </a:stretch>
-        </p:blipFill>
+        </p:nvSpPr>
         <p:spPr>
           <a:xfrm>
-            <a:off x="11180107" y="5904411"/>
-            <a:ext cx="1011893" cy="953589"/>
+            <a:off x="339633" y="113212"/>
+            <a:ext cx="6785786" cy="754053"/>
           </a:xfrm>
           <a:prstGeom prst="rect">
             <a:avLst/>
           </a:prstGeom>
+          <a:noFill/>
         </p:spPr>
-      </p:pic>
+        <p:txBody>
+          <a:bodyPr wrap="square" rtlCol="0">
+            <a:spAutoFit/>
+          </a:bodyPr>
+          <a:lstStyle/>
+          <a:p>
+            <a:r>
+              <a:rPr lang="fr-FR" sz="2500" b="1" dirty="0" smtClean="0">
+                <a:latin typeface="Bahnschrift SemiCondensed" panose="020B0502040204020203" pitchFamily="34" charset="0"/>
+              </a:rPr>
+              <a:t>SkateboardXXX3000</a:t>
+            </a:r>
+          </a:p>
+          <a:p>
+            <a:r>
+              <a:rPr lang="fr-FR" dirty="0" smtClean="0">
+                <a:solidFill>
+                  <a:schemeClr val="bg2">
+                    <a:lumMod val="50000"/>
+                  </a:schemeClr>
+                </a:solidFill>
+                <a:latin typeface="Bahnschrift SemiCondensed" panose="020B0502040204020203" pitchFamily="34" charset="0"/>
+              </a:rPr>
+              <a:t>Fair</a:t>
+            </a:r>
+            <a:r>
+              <a:rPr lang="fr-FR" dirty="0" smtClean="0">
+                <a:solidFill>
+                  <a:schemeClr val="bg2">
+                    <a:lumMod val="50000"/>
+                  </a:schemeClr>
+                </a:solidFill>
+                <a:latin typeface="Bahnschrift SemiCondensed" panose="020B0502040204020203" pitchFamily="34" charset="0"/>
+              </a:rPr>
+              <a:t>e de l’analyse de données de skate</a:t>
+            </a:r>
+            <a:endParaRPr lang="de-DE" dirty="0">
+              <a:solidFill>
+                <a:schemeClr val="bg2">
+                  <a:lumMod val="50000"/>
+                </a:schemeClr>
+              </a:solidFill>
+              <a:latin typeface="Bahnschrift SemiCondensed" panose="020B0502040204020203" pitchFamily="34" charset="0"/>
+            </a:endParaRPr>
+          </a:p>
+        </p:txBody>
+      </p:sp>
+      <p:sp>
+        <p:nvSpPr>
+          <p:cNvPr id="7" name="ZoneTexte 6"/>
+          <p:cNvSpPr txBox="1"/>
+          <p:nvPr/>
+        </p:nvSpPr>
+        <p:spPr>
+          <a:xfrm>
+            <a:off x="339633" y="967958"/>
+            <a:ext cx="2880000" cy="7048083"/>
+          </a:xfrm>
+          <a:prstGeom prst="rect">
+            <a:avLst/>
+          </a:prstGeom>
+          <a:noFill/>
+          <a:ln>
+            <a:solidFill>
+              <a:schemeClr val="accent1"/>
+            </a:solidFill>
+          </a:ln>
+        </p:spPr>
+        <p:txBody>
+          <a:bodyPr wrap="square" rtlCol="0">
+            <a:spAutoFit/>
+          </a:bodyPr>
+          <a:lstStyle/>
+          <a:p>
+            <a:r>
+              <a:rPr lang="fr-FR" dirty="0" smtClean="0">
+                <a:latin typeface="Bahnschrift SemiCondensed" panose="020B0502040204020203" pitchFamily="34" charset="0"/>
+              </a:rPr>
+              <a:t>Le projet</a:t>
+            </a:r>
+          </a:p>
+          <a:p>
+            <a:endParaRPr lang="fr-FR" sz="1100" dirty="0">
+              <a:latin typeface="Bahnschrift" panose="020B0502040204020203" pitchFamily="34" charset="0"/>
+            </a:endParaRPr>
+          </a:p>
+          <a:p>
+            <a:pPr algn="just"/>
+            <a:r>
+              <a:rPr lang="fr-FR" sz="1100" dirty="0" smtClean="0">
+                <a:latin typeface="Bahnschrift Light SemiCondensed" panose="020B0502040204020203" pitchFamily="34" charset="0"/>
+              </a:rPr>
+              <a:t>SkateboardXXX3000 est un capteur (</a:t>
+            </a:r>
+            <a:r>
+              <a:rPr lang="fr-FR" sz="1100" b="1" dirty="0" err="1" smtClean="0">
+                <a:latin typeface="Bahnschrift Light SemiCondensed" panose="020B0502040204020203" pitchFamily="34" charset="0"/>
+              </a:rPr>
+              <a:t>Movuino</a:t>
+            </a:r>
+            <a:r>
+              <a:rPr lang="fr-FR" sz="1100" dirty="0" smtClean="0">
+                <a:latin typeface="Bahnschrift Light SemiCondensed" panose="020B0502040204020203" pitchFamily="34" charset="0"/>
+              </a:rPr>
+              <a:t>) d’</a:t>
+            </a:r>
+            <a:r>
+              <a:rPr lang="fr-FR" sz="1100" b="1" dirty="0" smtClean="0">
+                <a:latin typeface="Bahnschrift Light SemiCondensed" panose="020B0502040204020203" pitchFamily="34" charset="0"/>
+              </a:rPr>
+              <a:t>accélération</a:t>
+            </a:r>
+            <a:r>
+              <a:rPr lang="fr-FR" sz="1100" dirty="0" smtClean="0">
+                <a:latin typeface="Bahnschrift Light SemiCondensed" panose="020B0502040204020203" pitchFamily="34" charset="0"/>
+              </a:rPr>
+              <a:t> et </a:t>
+            </a:r>
+            <a:r>
+              <a:rPr lang="fr-FR" sz="1100" b="1" dirty="0" smtClean="0">
+                <a:latin typeface="Bahnschrift Light SemiCondensed" panose="020B0502040204020203" pitchFamily="34" charset="0"/>
+              </a:rPr>
+              <a:t>gyroscopique</a:t>
+            </a:r>
+            <a:r>
+              <a:rPr lang="fr-FR" sz="1100" dirty="0" smtClean="0">
+                <a:latin typeface="Bahnschrift Light SemiCondensed" panose="020B0502040204020203" pitchFamily="34" charset="0"/>
+              </a:rPr>
+              <a:t> placé sous le skate permettant d’analyser les </a:t>
+            </a:r>
+            <a:r>
+              <a:rPr lang="fr-FR" sz="1100" b="1" dirty="0" smtClean="0">
+                <a:latin typeface="Bahnschrift Light SemiCondensed" panose="020B0502040204020203" pitchFamily="34" charset="0"/>
+              </a:rPr>
+              <a:t>mouvements simplexes </a:t>
+            </a:r>
+            <a:r>
+              <a:rPr lang="fr-FR" sz="1100" dirty="0" smtClean="0">
+                <a:latin typeface="Bahnschrift Light SemiCondensed" panose="020B0502040204020203" pitchFamily="34" charset="0"/>
+              </a:rPr>
+              <a:t>qu’un skateur peut faire. J’ai démarré ce projet l’année dernière durant ma césure, et je l’ai continué en tant que projet de fin d’étude cette année avec un camarade. Nous avons orienté notre travail sur la reconnaissance des figures. Nous sommes très fiers des premiers résultats que nous avons obtenus, mais il reste encore beaucoup à faire et à améliorer. </a:t>
+            </a:r>
+          </a:p>
+          <a:p>
+            <a:pPr algn="just"/>
+            <a:endParaRPr lang="fr-FR" sz="1100" dirty="0" smtClean="0">
+              <a:latin typeface="Bahnschrift Light SemiCondensed" panose="020B0502040204020203" pitchFamily="34" charset="0"/>
+            </a:endParaRPr>
+          </a:p>
+          <a:p>
+            <a:r>
+              <a:rPr lang="fr-FR" dirty="0" smtClean="0">
+                <a:latin typeface="Bahnschrift SemiCondensed" panose="020B0502040204020203" pitchFamily="34" charset="0"/>
+              </a:rPr>
+              <a:t>Les enjeux</a:t>
+            </a:r>
+          </a:p>
+          <a:p>
+            <a:endParaRPr lang="fr-FR" sz="1100" dirty="0">
+              <a:latin typeface="Bahnschrift Condensed" panose="020B0502040204020203" pitchFamily="34" charset="0"/>
+            </a:endParaRPr>
+          </a:p>
+          <a:p>
+            <a:pPr algn="just"/>
+            <a:r>
+              <a:rPr lang="fr-FR" sz="1400" dirty="0">
+                <a:solidFill>
+                  <a:schemeClr val="bg2">
+                    <a:lumMod val="50000"/>
+                  </a:schemeClr>
+                </a:solidFill>
+                <a:latin typeface="Bahnschrift SemiCondensed" panose="020B0502040204020203" pitchFamily="34" charset="0"/>
+              </a:rPr>
+              <a:t>Sportifs</a:t>
+            </a:r>
+          </a:p>
+          <a:p>
+            <a:pPr algn="just"/>
+            <a:r>
+              <a:rPr lang="fr-FR" sz="1100" dirty="0">
+                <a:latin typeface="Bahnschrift Light SemiCondensed" panose="020B0502040204020203" pitchFamily="34" charset="0"/>
+              </a:rPr>
+              <a:t>Prévention de la blessure, étude de la performance, apprentissage de la discipline</a:t>
+            </a:r>
+          </a:p>
+          <a:p>
+            <a:pPr algn="just"/>
+            <a:endParaRPr lang="fr-FR" sz="1100" dirty="0">
+              <a:solidFill>
+                <a:schemeClr val="bg2">
+                  <a:lumMod val="50000"/>
+                </a:schemeClr>
+              </a:solidFill>
+              <a:latin typeface="Bahnschrift Condensed" panose="020B0502040204020203" pitchFamily="34" charset="0"/>
+            </a:endParaRPr>
+          </a:p>
+          <a:p>
+            <a:pPr algn="just"/>
+            <a:r>
+              <a:rPr lang="fr-FR" sz="1400" dirty="0">
+                <a:solidFill>
+                  <a:schemeClr val="bg2">
+                    <a:lumMod val="50000"/>
+                  </a:schemeClr>
+                </a:solidFill>
+                <a:latin typeface="Bahnschrift SemiCondensed" panose="020B0502040204020203" pitchFamily="34" charset="0"/>
+              </a:rPr>
+              <a:t>Pédagogiques</a:t>
+            </a:r>
+          </a:p>
+          <a:p>
+            <a:pPr algn="just"/>
+            <a:r>
+              <a:rPr lang="fr-FR" sz="1100" dirty="0">
+                <a:latin typeface="Bahnschrift Light SemiCondensed" panose="020B0502040204020203" pitchFamily="34" charset="0"/>
+              </a:rPr>
+              <a:t>Etude et compréhension de la discipline avec une approche scientifique</a:t>
+            </a:r>
+          </a:p>
+          <a:p>
+            <a:pPr algn="just"/>
+            <a:endParaRPr lang="fr-FR" sz="1100" dirty="0">
+              <a:latin typeface="Bahnschrift Light SemiCondensed" panose="020B0502040204020203" pitchFamily="34" charset="0"/>
+            </a:endParaRPr>
+          </a:p>
+          <a:p>
+            <a:r>
+              <a:rPr lang="fr-FR" dirty="0">
+                <a:latin typeface="Bahnschrift SemiCondensed" panose="020B0502040204020203" pitchFamily="34" charset="0"/>
+              </a:rPr>
+              <a:t>Les motivations</a:t>
+            </a:r>
+          </a:p>
+          <a:p>
+            <a:endParaRPr lang="fr-FR" sz="1100" dirty="0">
+              <a:latin typeface="Bahnschrift" panose="020B0502040204020203" pitchFamily="34" charset="0"/>
+            </a:endParaRPr>
+          </a:p>
+          <a:p>
+            <a:pPr algn="just"/>
+            <a:r>
+              <a:rPr lang="fr-FR" sz="1100" dirty="0">
+                <a:latin typeface="Bahnschrift Light SemiCondensed" panose="020B0502040204020203" pitchFamily="34" charset="0"/>
+              </a:rPr>
+              <a:t>Quand j’ai parlé de ce projet a mes encadrants de stage, Joël et Adrien, je voyais en lui l’opportunité de challenger mes capacités de futur ingénieur sur un sujet qui me passionne depuis maintenant 2 ans et demi. Très intéressé par la programmation et l’analyse de données, avec l’aide de nombreuses personnes, nous avons monté brique par brique les premières étapes du projet. Ces étapes allant de la confection d’un </a:t>
+            </a:r>
+            <a:r>
+              <a:rPr lang="fr-FR" sz="1100" b="1" dirty="0">
+                <a:latin typeface="Bahnschrift Light SemiCondensed" panose="020B0502040204020203" pitchFamily="34" charset="0"/>
+              </a:rPr>
+              <a:t>boitier</a:t>
+            </a:r>
+            <a:r>
+              <a:rPr lang="fr-FR" sz="1100" dirty="0">
+                <a:latin typeface="Bahnschrift Light SemiCondensed" panose="020B0502040204020203" pitchFamily="34" charset="0"/>
+              </a:rPr>
+              <a:t> se fixant sur le skate à la </a:t>
+            </a:r>
+            <a:r>
+              <a:rPr lang="fr-FR" sz="1100" b="1" dirty="0">
+                <a:latin typeface="Bahnschrift Light SemiCondensed" panose="020B0502040204020203" pitchFamily="34" charset="0"/>
+              </a:rPr>
+              <a:t>reconnaissance de figure </a:t>
+            </a:r>
+            <a:r>
+              <a:rPr lang="fr-FR" sz="1100" dirty="0">
+                <a:latin typeface="Bahnschrift Light SemiCondensed" panose="020B0502040204020203" pitchFamily="34" charset="0"/>
+              </a:rPr>
+              <a:t>en passant par la </a:t>
+            </a:r>
+            <a:r>
+              <a:rPr lang="fr-FR" sz="1100" b="1" dirty="0">
+                <a:latin typeface="Bahnschrift Light SemiCondensed" panose="020B0502040204020203" pitchFamily="34" charset="0"/>
+              </a:rPr>
+              <a:t>visualisation 3D </a:t>
+            </a:r>
+            <a:r>
+              <a:rPr lang="fr-FR" sz="1100" dirty="0">
+                <a:latin typeface="Bahnschrift Light SemiCondensed" panose="020B0502040204020203" pitchFamily="34" charset="0"/>
+              </a:rPr>
+              <a:t>des figures</a:t>
+            </a:r>
+            <a:r>
+              <a:rPr lang="fr-FR" sz="1100" dirty="0" smtClean="0">
+                <a:latin typeface="Bahnschrift Light SemiCondensed" panose="020B0502040204020203" pitchFamily="34" charset="0"/>
+              </a:rPr>
+              <a:t>.</a:t>
+            </a:r>
+            <a:endParaRPr lang="de-DE" sz="1100" dirty="0">
+              <a:latin typeface="Bahnschrift Light SemiCondensed" panose="020B0502040204020203" pitchFamily="34" charset="0"/>
+            </a:endParaRPr>
+          </a:p>
+        </p:txBody>
+      </p:sp>
+      <p:sp>
+        <p:nvSpPr>
+          <p:cNvPr id="12" name="ZoneTexte 11"/>
+          <p:cNvSpPr txBox="1"/>
+          <p:nvPr/>
+        </p:nvSpPr>
+        <p:spPr>
+          <a:xfrm>
+            <a:off x="3208734" y="956125"/>
+            <a:ext cx="2880000" cy="8448467"/>
+          </a:xfrm>
+          <a:prstGeom prst="rect">
+            <a:avLst/>
+          </a:prstGeom>
+          <a:noFill/>
+          <a:ln>
+            <a:solidFill>
+              <a:schemeClr val="accent1"/>
+            </a:solidFill>
+          </a:ln>
+        </p:spPr>
+        <p:txBody>
+          <a:bodyPr wrap="square" rtlCol="0">
+            <a:spAutoFit/>
+          </a:bodyPr>
+          <a:lstStyle/>
+          <a:p>
+            <a:r>
+              <a:rPr lang="fr-FR" dirty="0" smtClean="0">
+                <a:latin typeface="Bahnschrift SemiCondensed" panose="020B0502040204020203" pitchFamily="34" charset="0"/>
+              </a:rPr>
+              <a:t>Nos objectifs</a:t>
+            </a:r>
+            <a:endParaRPr lang="fr-FR" sz="1400" dirty="0" smtClean="0">
+              <a:solidFill>
+                <a:schemeClr val="tx1">
+                  <a:lumMod val="50000"/>
+                  <a:lumOff val="50000"/>
+                </a:schemeClr>
+              </a:solidFill>
+              <a:latin typeface="Bahnschrift SemiCondensed" panose="020B0502040204020203" pitchFamily="34" charset="0"/>
+            </a:endParaRPr>
+          </a:p>
+          <a:p>
+            <a:endParaRPr lang="fr-FR" sz="1100" dirty="0">
+              <a:solidFill>
+                <a:schemeClr val="tx1">
+                  <a:lumMod val="50000"/>
+                  <a:lumOff val="50000"/>
+                </a:schemeClr>
+              </a:solidFill>
+              <a:latin typeface="Bahnschrift Condensed" panose="020B0502040204020203" pitchFamily="34" charset="0"/>
+            </a:endParaRPr>
+          </a:p>
+          <a:p>
+            <a:pPr algn="just"/>
+            <a:r>
+              <a:rPr lang="fr-FR" sz="1400" dirty="0" smtClean="0">
+                <a:solidFill>
+                  <a:schemeClr val="bg2">
+                    <a:lumMod val="50000"/>
+                  </a:schemeClr>
+                </a:solidFill>
+                <a:latin typeface="Bahnschrift SemiCondensed" panose="020B0502040204020203" pitchFamily="34" charset="0"/>
+              </a:rPr>
+              <a:t>La reconnaissance de figure</a:t>
+            </a:r>
+          </a:p>
+          <a:p>
+            <a:pPr algn="just"/>
+            <a:r>
+              <a:rPr lang="fr-FR" sz="1100" dirty="0" smtClean="0">
+                <a:latin typeface="Bahnschrift Light SemiCondensed" panose="020B0502040204020203" pitchFamily="34" charset="0"/>
+              </a:rPr>
+              <a:t>Détection de figure, classification…</a:t>
+            </a:r>
+          </a:p>
+          <a:p>
+            <a:pPr algn="just"/>
+            <a:endParaRPr lang="fr-FR" sz="1100" dirty="0">
+              <a:solidFill>
+                <a:schemeClr val="bg2">
+                  <a:lumMod val="50000"/>
+                </a:schemeClr>
+              </a:solidFill>
+              <a:latin typeface="Bahnschrift Condensed" panose="020B0502040204020203" pitchFamily="34" charset="0"/>
+            </a:endParaRPr>
+          </a:p>
+          <a:p>
+            <a:pPr algn="just"/>
+            <a:r>
+              <a:rPr lang="fr-FR" sz="1400" dirty="0" smtClean="0">
+                <a:solidFill>
+                  <a:schemeClr val="bg2">
+                    <a:lumMod val="50000"/>
+                  </a:schemeClr>
+                </a:solidFill>
+                <a:latin typeface="Bahnschrift SemiCondensed" panose="020B0502040204020203" pitchFamily="34" charset="0"/>
+              </a:rPr>
+              <a:t>Extraire des données pertinentes pour la pratique du skate </a:t>
+            </a:r>
+          </a:p>
+          <a:p>
+            <a:pPr algn="just"/>
+            <a:r>
+              <a:rPr lang="fr-FR" sz="1100" dirty="0" smtClean="0">
+                <a:latin typeface="Bahnschrift Light SemiCondensed" panose="020B0502040204020203" pitchFamily="34" charset="0"/>
+              </a:rPr>
+              <a:t>Hauteur, évaluation de la progression…</a:t>
+            </a:r>
+          </a:p>
+          <a:p>
+            <a:pPr algn="just"/>
+            <a:endParaRPr lang="fr-FR" sz="1100" dirty="0">
+              <a:solidFill>
+                <a:schemeClr val="bg2">
+                  <a:lumMod val="50000"/>
+                </a:schemeClr>
+              </a:solidFill>
+              <a:latin typeface="Bahnschrift Light SemiCondensed" panose="020B0502040204020203" pitchFamily="34" charset="0"/>
+            </a:endParaRPr>
+          </a:p>
+          <a:p>
+            <a:r>
+              <a:rPr lang="fr-FR" dirty="0">
+                <a:latin typeface="Bahnschrift SemiCondensed" panose="020B0502040204020203" pitchFamily="34" charset="0"/>
+              </a:rPr>
+              <a:t>L’approche générale </a:t>
+            </a:r>
+          </a:p>
+          <a:p>
+            <a:r>
+              <a:rPr lang="fr-FR" sz="1400" dirty="0">
+                <a:solidFill>
+                  <a:schemeClr val="tx1">
+                    <a:lumMod val="50000"/>
+                    <a:lumOff val="50000"/>
+                  </a:schemeClr>
+                </a:solidFill>
+                <a:latin typeface="Bahnschrift SemiCondensed" panose="020B0502040204020203" pitchFamily="34" charset="0"/>
+              </a:rPr>
+              <a:t>Simple mais efficace</a:t>
+            </a:r>
+          </a:p>
+          <a:p>
+            <a:endParaRPr lang="fr-FR" sz="1400" dirty="0">
+              <a:solidFill>
+                <a:schemeClr val="tx1">
+                  <a:lumMod val="50000"/>
+                  <a:lumOff val="50000"/>
+                </a:schemeClr>
+              </a:solidFill>
+              <a:latin typeface="Bahnschrift Condensed" panose="020B0502040204020203" pitchFamily="34" charset="0"/>
+            </a:endParaRPr>
+          </a:p>
+          <a:p>
+            <a:pPr algn="just"/>
+            <a:r>
+              <a:rPr lang="fr-FR" sz="1100" dirty="0">
+                <a:latin typeface="Bahnschrift Light SemiCondensed" panose="020B0502040204020203" pitchFamily="34" charset="0"/>
+              </a:rPr>
+              <a:t>Dans l’état de l’art nous pouvons trouver beaucoup d’article scientifique ayant traités de problématiques similaires. Cependant nous avons remarqué que peu font le lien entre la discipline et leurs données. Les données sont pourtant très visuels et compréhensibles. C’est pourquoi nous avons abordé une démarche simple, voire naïve afin d’exploiter au maximum les données extraites</a:t>
+            </a:r>
+            <a:r>
+              <a:rPr lang="fr-FR" sz="1100" dirty="0" smtClean="0">
+                <a:latin typeface="Bahnschrift Light SemiCondensed" panose="020B0502040204020203" pitchFamily="34" charset="0"/>
+              </a:rPr>
+              <a:t>.</a:t>
+            </a:r>
+          </a:p>
+          <a:p>
+            <a:pPr algn="just"/>
+            <a:endParaRPr lang="fr-FR" sz="1100" dirty="0">
+              <a:latin typeface="Bahnschrift Light SemiCondensed" panose="020B0502040204020203" pitchFamily="34" charset="0"/>
+            </a:endParaRPr>
+          </a:p>
+          <a:p>
+            <a:pPr algn="just"/>
+            <a:r>
+              <a:rPr lang="fr-FR" dirty="0">
+                <a:latin typeface="Bahnschrift SemiCondensed" panose="020B0502040204020203" pitchFamily="34" charset="0"/>
+              </a:rPr>
+              <a:t>La reconnaissance de figure</a:t>
+            </a:r>
+          </a:p>
+          <a:p>
+            <a:pPr algn="just"/>
+            <a:endParaRPr lang="fr-FR" sz="1100" dirty="0">
+              <a:solidFill>
+                <a:schemeClr val="bg2">
+                  <a:lumMod val="50000"/>
+                </a:schemeClr>
+              </a:solidFill>
+              <a:latin typeface="Bahnschrift Condensed" panose="020B0502040204020203" pitchFamily="34" charset="0"/>
+            </a:endParaRPr>
+          </a:p>
+          <a:p>
+            <a:pPr algn="just"/>
+            <a:r>
+              <a:rPr lang="fr-FR" sz="1100" dirty="0">
+                <a:latin typeface="Bahnschrift Light" panose="020B0502040204020203" pitchFamily="34" charset="0"/>
+              </a:rPr>
+              <a:t>Pour effectuer la reconnaissance de figure, nous avons dissocier la tache en deux : la détection d’événement, et la classification des événements détectés. Cela permet de dissocier la performance de détection et de classification. De plus, cela permet de réduire la quantité de donner à traiter par notre algorithme.</a:t>
+            </a:r>
+          </a:p>
+          <a:p>
+            <a:pPr algn="just"/>
+            <a:endParaRPr lang="fr-FR" sz="1100" dirty="0">
+              <a:latin typeface="Bahnschrift Light" panose="020B0502040204020203" pitchFamily="34" charset="0"/>
+            </a:endParaRPr>
+          </a:p>
+          <a:p>
+            <a:pPr algn="just"/>
+            <a:r>
+              <a:rPr lang="fr-FR" sz="1400" dirty="0">
+                <a:solidFill>
+                  <a:schemeClr val="tx1">
+                    <a:lumMod val="50000"/>
+                    <a:lumOff val="50000"/>
+                  </a:schemeClr>
+                </a:solidFill>
+                <a:latin typeface="Bahnschrift SemiCondensed" panose="020B0502040204020203" pitchFamily="34" charset="0"/>
+              </a:rPr>
+              <a:t>Les figures évaluées </a:t>
+            </a:r>
+          </a:p>
+          <a:p>
+            <a:pPr algn="just"/>
+            <a:endParaRPr lang="fr-FR" sz="1100" dirty="0">
+              <a:latin typeface="Bahnschrift Light" panose="020B0502040204020203" pitchFamily="34" charset="0"/>
+            </a:endParaRPr>
+          </a:p>
+          <a:p>
+            <a:pPr marL="171450" indent="-171450" algn="just">
+              <a:buFont typeface="Arial" panose="020B0604020202020204" pitchFamily="34" charset="0"/>
+              <a:buChar char="•"/>
+            </a:pPr>
+            <a:r>
+              <a:rPr lang="fr-FR" sz="1100" dirty="0" err="1">
+                <a:latin typeface="Bahnschrift Light" panose="020B0502040204020203" pitchFamily="34" charset="0"/>
+              </a:rPr>
+              <a:t>Ollie</a:t>
+            </a:r>
+            <a:endParaRPr lang="fr-FR" sz="1100" dirty="0">
+              <a:latin typeface="Bahnschrift Light" panose="020B0502040204020203" pitchFamily="34" charset="0"/>
+            </a:endParaRPr>
+          </a:p>
+          <a:p>
+            <a:pPr marL="171450" indent="-171450" algn="just">
+              <a:buFont typeface="Arial" panose="020B0604020202020204" pitchFamily="34" charset="0"/>
+              <a:buChar char="•"/>
+            </a:pPr>
+            <a:r>
+              <a:rPr lang="fr-FR" sz="1100" dirty="0" err="1">
+                <a:latin typeface="Bahnschrift Light" panose="020B0502040204020203" pitchFamily="34" charset="0"/>
+              </a:rPr>
+              <a:t>Kickflip</a:t>
+            </a:r>
+            <a:endParaRPr lang="fr-FR" sz="1100" dirty="0">
+              <a:latin typeface="Bahnschrift Light" panose="020B0502040204020203" pitchFamily="34" charset="0"/>
+            </a:endParaRPr>
+          </a:p>
+          <a:p>
+            <a:pPr marL="171450" indent="-171450" algn="just">
+              <a:buFont typeface="Arial" panose="020B0604020202020204" pitchFamily="34" charset="0"/>
+              <a:buChar char="•"/>
+            </a:pPr>
+            <a:r>
+              <a:rPr lang="fr-FR" sz="1100" dirty="0" err="1">
+                <a:latin typeface="Bahnschrift Light" panose="020B0502040204020203" pitchFamily="34" charset="0"/>
+              </a:rPr>
+              <a:t>Heelflip</a:t>
+            </a:r>
+            <a:endParaRPr lang="fr-FR" sz="1100" dirty="0">
+              <a:solidFill>
+                <a:schemeClr val="tx1">
+                  <a:lumMod val="50000"/>
+                  <a:lumOff val="50000"/>
+                </a:schemeClr>
+              </a:solidFill>
+              <a:latin typeface="Bahnschrift Light" panose="020B0502040204020203" pitchFamily="34" charset="0"/>
+            </a:endParaRPr>
+          </a:p>
+          <a:p>
+            <a:pPr algn="just"/>
+            <a:endParaRPr lang="fr-FR" sz="1100" dirty="0">
+              <a:solidFill>
+                <a:schemeClr val="bg2">
+                  <a:lumMod val="50000"/>
+                </a:schemeClr>
+              </a:solidFill>
+              <a:latin typeface="Bahnschrift Light" panose="020B0502040204020203" pitchFamily="34" charset="0"/>
+            </a:endParaRPr>
+          </a:p>
+          <a:p>
+            <a:pPr algn="just"/>
+            <a:r>
+              <a:rPr lang="fr-FR" sz="1400" dirty="0">
+                <a:solidFill>
+                  <a:schemeClr val="tx1">
+                    <a:lumMod val="50000"/>
+                    <a:lumOff val="50000"/>
+                  </a:schemeClr>
+                </a:solidFill>
+                <a:latin typeface="Bahnschrift SemiCondensed" panose="020B0502040204020203" pitchFamily="34" charset="0"/>
+              </a:rPr>
+              <a:t>La détection d’évènement</a:t>
+            </a:r>
+          </a:p>
+          <a:p>
+            <a:pPr algn="just"/>
+            <a:endParaRPr lang="fr-FR" sz="1400" dirty="0">
+              <a:solidFill>
+                <a:schemeClr val="tx1">
+                  <a:lumMod val="50000"/>
+                  <a:lumOff val="50000"/>
+                </a:schemeClr>
+              </a:solidFill>
+              <a:latin typeface="Bahnschrift Condensed" panose="020B0502040204020203" pitchFamily="34" charset="0"/>
+            </a:endParaRPr>
+          </a:p>
+          <a:p>
+            <a:pPr algn="just"/>
+            <a:r>
+              <a:rPr lang="fr-FR" sz="1100" dirty="0">
+                <a:latin typeface="Bahnschrift Light" panose="020B0502040204020203" pitchFamily="34" charset="0"/>
+              </a:rPr>
+              <a:t>Pour effectuer cette tache, nous avons utilisé l’énergie présente dans les données </a:t>
+            </a:r>
+          </a:p>
+          <a:p>
+            <a:pPr algn="just"/>
+            <a:endParaRPr lang="fr-FR" sz="1100" dirty="0">
+              <a:latin typeface="Bahnschrift Light SemiCondensed" panose="020B0502040204020203" pitchFamily="34" charset="0"/>
+            </a:endParaRPr>
+          </a:p>
+          <a:p>
+            <a:pPr algn="just"/>
+            <a:endParaRPr lang="fr-FR" sz="1400" dirty="0" smtClean="0">
+              <a:solidFill>
+                <a:schemeClr val="bg2">
+                  <a:lumMod val="50000"/>
+                </a:schemeClr>
+              </a:solidFill>
+              <a:latin typeface="Bahnschrift Light SemiCondensed" panose="020B0502040204020203" pitchFamily="34" charset="0"/>
+            </a:endParaRPr>
+          </a:p>
+        </p:txBody>
+      </p:sp>
+      <p:sp>
+        <p:nvSpPr>
+          <p:cNvPr id="13" name="ZoneTexte 12"/>
+          <p:cNvSpPr txBox="1"/>
+          <p:nvPr/>
+        </p:nvSpPr>
+        <p:spPr>
+          <a:xfrm>
+            <a:off x="8976000" y="966202"/>
+            <a:ext cx="2880000" cy="5047536"/>
+          </a:xfrm>
+          <a:prstGeom prst="rect">
+            <a:avLst/>
+          </a:prstGeom>
+          <a:noFill/>
+          <a:ln>
+            <a:solidFill>
+              <a:schemeClr val="accent1"/>
+            </a:solidFill>
+          </a:ln>
+        </p:spPr>
+        <p:txBody>
+          <a:bodyPr wrap="square" rtlCol="0">
+            <a:spAutoFit/>
+          </a:bodyPr>
+          <a:lstStyle/>
+          <a:p>
+            <a:pPr algn="just"/>
+            <a:r>
+              <a:rPr lang="fr-FR" sz="1100" dirty="0" smtClean="0">
+                <a:latin typeface="Bahnschrift Light" panose="020B0502040204020203" pitchFamily="34" charset="0"/>
+              </a:rPr>
+              <a:t>d’accélérations et gyroscopiques. En effet, ces pics sont présents quand le skateur effectue une figure car il apporte de l’énergie au skate (rotation) et les impacts qui s’ensuivent (accélération). Cependant, le skateur peut aussi apporter de l’énergie au skate sans pour autant effectuer une figure (virage, pick-up…</a:t>
+            </a:r>
+            <a:r>
+              <a:rPr lang="fr-FR" sz="1100" dirty="0" err="1" smtClean="0">
+                <a:latin typeface="Bahnschrift Light" panose="020B0502040204020203" pitchFamily="34" charset="0"/>
+              </a:rPr>
+              <a:t>etc</a:t>
+            </a:r>
+            <a:r>
+              <a:rPr lang="fr-FR" sz="1100" dirty="0" smtClean="0">
+                <a:latin typeface="Bahnschrift Light" panose="020B0502040204020203" pitchFamily="34" charset="0"/>
+              </a:rPr>
+              <a:t>).</a:t>
+            </a:r>
+          </a:p>
+          <a:p>
+            <a:pPr algn="just"/>
+            <a:endParaRPr lang="fr-FR" sz="1100" dirty="0">
+              <a:latin typeface="Bahnschrift Light" panose="020B0502040204020203" pitchFamily="34" charset="0"/>
+            </a:endParaRPr>
+          </a:p>
+          <a:p>
+            <a:pPr algn="just"/>
+            <a:r>
+              <a:rPr lang="fr-FR" sz="1400" dirty="0" smtClean="0">
+                <a:solidFill>
+                  <a:schemeClr val="tx1">
+                    <a:lumMod val="50000"/>
+                    <a:lumOff val="50000"/>
+                  </a:schemeClr>
+                </a:solidFill>
+                <a:latin typeface="Bahnschrift SemiCondensed" panose="020B0502040204020203" pitchFamily="34" charset="0"/>
+              </a:rPr>
+              <a:t>Tri des événements et classifications</a:t>
+            </a:r>
+          </a:p>
+          <a:p>
+            <a:pPr algn="just"/>
+            <a:r>
+              <a:rPr lang="fr-FR" sz="1100" dirty="0" smtClean="0">
+                <a:solidFill>
+                  <a:schemeClr val="tx2">
+                    <a:lumMod val="75000"/>
+                  </a:schemeClr>
+                </a:solidFill>
+                <a:latin typeface="Bahnschrift SemiCondensed" panose="020B0502040204020203" pitchFamily="34" charset="0"/>
+              </a:rPr>
+              <a:t>D’une pierre 2 coups</a:t>
+            </a:r>
+            <a:endParaRPr lang="fr-FR" sz="1100" dirty="0">
+              <a:solidFill>
+                <a:schemeClr val="tx2">
+                  <a:lumMod val="75000"/>
+                </a:schemeClr>
+              </a:solidFill>
+              <a:latin typeface="Bahnschrift SemiCondensed" panose="020B0502040204020203" pitchFamily="34" charset="0"/>
+            </a:endParaRPr>
+          </a:p>
+          <a:p>
+            <a:pPr algn="just"/>
+            <a:endParaRPr lang="fr-FR" sz="1100" dirty="0" smtClean="0">
+              <a:latin typeface="Bahnschrift Light" panose="020B0502040204020203" pitchFamily="34" charset="0"/>
+            </a:endParaRPr>
+          </a:p>
+          <a:p>
+            <a:pPr algn="just"/>
+            <a:r>
+              <a:rPr lang="fr-FR" sz="1100" dirty="0" smtClean="0">
+                <a:latin typeface="Bahnschrift Light" panose="020B0502040204020203" pitchFamily="34" charset="0"/>
+              </a:rPr>
+              <a:t>Au moment de la détection d’événement un petit problème s’est posé car beaucoup d’événements détectés n’étaient pas des figures. Cependant notre méthode de classification permettait de passer outre. En effet, afin de savoir quelle figure correspondait à l’événement détecté, nous avons comparé ce dernier à des figures de références. La figure correspondant à l’événement était celle qui « ressemblait le plus à l’événement ». Dans notre cas, nous avons choisi la figure de référence qui minimisait la distance euclidienne avec l’événement. La figure était attribuée si la distance était en dessous d’un certain seuil, sinon elle était considérée comme un mouvement de transition.</a:t>
+            </a:r>
+            <a:endParaRPr lang="fr-FR" sz="1100" dirty="0" smtClean="0">
+              <a:latin typeface="Bahnschrift Light" panose="020B0502040204020203" pitchFamily="34" charset="0"/>
+            </a:endParaRPr>
+          </a:p>
+        </p:txBody>
+      </p:sp>
+      <p:sp>
+        <p:nvSpPr>
+          <p:cNvPr id="3" name="ZoneTexte 2"/>
+          <p:cNvSpPr txBox="1"/>
+          <p:nvPr/>
+        </p:nvSpPr>
+        <p:spPr>
+          <a:xfrm>
+            <a:off x="7453817" y="2311676"/>
+            <a:ext cx="1378904" cy="600164"/>
+          </a:xfrm>
+          <a:prstGeom prst="rect">
+            <a:avLst/>
+          </a:prstGeom>
+          <a:noFill/>
+        </p:spPr>
+        <p:txBody>
+          <a:bodyPr wrap="none" rtlCol="0">
+            <a:spAutoFit/>
+          </a:bodyPr>
+          <a:lstStyle/>
+          <a:p>
+            <a:pPr marL="171450" indent="-171450" algn="just">
+              <a:buFont typeface="Arial" panose="020B0604020202020204" pitchFamily="34" charset="0"/>
+              <a:buChar char="•"/>
+            </a:pPr>
+            <a:r>
+              <a:rPr lang="fr-FR" sz="1100" dirty="0" err="1">
+                <a:latin typeface="Bahnschrift Light" panose="020B0502040204020203" pitchFamily="34" charset="0"/>
+              </a:rPr>
+              <a:t>Frontside</a:t>
+            </a:r>
+            <a:r>
+              <a:rPr lang="fr-FR" sz="1100" dirty="0">
+                <a:latin typeface="Bahnschrift Light" panose="020B0502040204020203" pitchFamily="34" charset="0"/>
+              </a:rPr>
+              <a:t> </a:t>
+            </a:r>
+            <a:r>
+              <a:rPr lang="fr-FR" sz="1100" dirty="0" err="1">
+                <a:latin typeface="Bahnschrift Light" panose="020B0502040204020203" pitchFamily="34" charset="0"/>
+              </a:rPr>
+              <a:t>shovit</a:t>
+            </a:r>
+            <a:endParaRPr lang="fr-FR" sz="1100" dirty="0">
+              <a:latin typeface="Bahnschrift Light" panose="020B0502040204020203" pitchFamily="34" charset="0"/>
+            </a:endParaRPr>
+          </a:p>
+          <a:p>
+            <a:pPr marL="171450" indent="-171450" algn="just">
+              <a:buFont typeface="Arial" panose="020B0604020202020204" pitchFamily="34" charset="0"/>
+              <a:buChar char="•"/>
+            </a:pPr>
+            <a:r>
+              <a:rPr lang="fr-FR" sz="1100" dirty="0">
+                <a:latin typeface="Bahnschrift Light" panose="020B0502040204020203" pitchFamily="34" charset="0"/>
+              </a:rPr>
+              <a:t>Pop </a:t>
+            </a:r>
+            <a:r>
+              <a:rPr lang="fr-FR" sz="1100" dirty="0" err="1">
+                <a:latin typeface="Bahnschrift Light" panose="020B0502040204020203" pitchFamily="34" charset="0"/>
+              </a:rPr>
+              <a:t>shovit</a:t>
+            </a:r>
+            <a:endParaRPr lang="fr-FR" sz="1100" dirty="0">
+              <a:latin typeface="Bahnschrift Light" panose="020B0502040204020203" pitchFamily="34" charset="0"/>
+            </a:endParaRPr>
+          </a:p>
+          <a:p>
+            <a:pPr marL="171450" indent="-171450" algn="just">
+              <a:buFont typeface="Arial" panose="020B0604020202020204" pitchFamily="34" charset="0"/>
+              <a:buChar char="•"/>
+            </a:pPr>
+            <a:r>
+              <a:rPr lang="fr-FR" sz="1100" dirty="0">
+                <a:latin typeface="Bahnschrift Light" panose="020B0502040204020203" pitchFamily="34" charset="0"/>
+              </a:rPr>
+              <a:t>360 </a:t>
+            </a:r>
+            <a:r>
+              <a:rPr lang="fr-FR" sz="1100" dirty="0" smtClean="0">
+                <a:latin typeface="Bahnschrift Light" panose="020B0502040204020203" pitchFamily="34" charset="0"/>
+              </a:rPr>
+              <a:t>flip</a:t>
+            </a:r>
+            <a:endParaRPr lang="fr-FR" sz="1100" dirty="0">
+              <a:latin typeface="Bahnschrift Light" panose="020B0502040204020203" pitchFamily="34" charset="0"/>
+            </a:endParaRPr>
+          </a:p>
+        </p:txBody>
+      </p:sp>
       <p:pic>
         <p:nvPicPr>
-          <p:cNvPr id="5" name="Image 4"/>
+          <p:cNvPr id="16" name="Image 15"/>
           <p:cNvPicPr>
             <a:picLocks noChangeAspect="1"/>
           </p:cNvPicPr>
@@ -3027,7 +4399,7 @@
         </p:blipFill>
         <p:spPr>
           <a:xfrm>
-            <a:off x="10210189" y="5888082"/>
+            <a:off x="10265957" y="-13793"/>
             <a:ext cx="969918" cy="969918"/>
           </a:xfrm>
           <a:prstGeom prst="rect">
@@ -3035,16 +4407,46 @@
           </a:prstGeom>
         </p:spPr>
       </p:pic>
-      <p:sp>
-        <p:nvSpPr>
-          <p:cNvPr id="6" name="ZoneTexte 5"/>
+      <p:pic>
+        <p:nvPicPr>
+          <p:cNvPr id="17" name="Image 16"/>
+          <p:cNvPicPr>
+            <a:picLocks noChangeAspect="1"/>
+          </p:cNvPicPr>
+          <p:nvPr/>
+        </p:nvPicPr>
+        <p:blipFill>
+          <a:blip r:embed="rId4">
+            <a:extLst>
+              <a:ext uri="{28A0092B-C50C-407E-A947-70E740481C1C}">
+                <a14:useLocalDpi xmlns:a14="http://schemas.microsoft.com/office/drawing/2010/main" val="0"/>
+              </a:ext>
+            </a:extLst>
+          </a:blip>
+          <a:stretch>
+            <a:fillRect/>
+          </a:stretch>
+        </p:blipFill>
+        <p:spPr>
+          <a:xfrm>
+            <a:off x="11235875" y="0"/>
+            <a:ext cx="956125" cy="956125"/>
+          </a:xfrm>
+          <a:prstGeom prst="rect">
+            <a:avLst/>
+          </a:prstGeom>
+        </p:spPr>
+      </p:pic>
+      <p:sp>
+        <p:nvSpPr>
+          <p:cNvPr id="21" name="ZoneTexte 20"/>
           <p:cNvSpPr txBox="1"/>
           <p:nvPr/>
         </p:nvSpPr>
         <p:spPr>
           <a:xfrm>
-            <a:off x="339633" y="113212"/>
-            <a:ext cx="3766541" cy="754053"/>
+            <a:off x="4500708" y="7415877"/>
+            <a:ext cx="1378904" cy="600164"/>
           </a:xfrm>
           <a:prstGeom prst="rect">
             <a:avLst/>
@@ -3052,6 +4454,135 @@
           <a:noFill/>
         </p:spPr>
         <p:txBody>
+          <a:bodyPr wrap="none" rtlCol="0">
+            <a:spAutoFit/>
+          </a:bodyPr>
+          <a:lstStyle/>
+          <a:p>
+            <a:pPr marL="171450" indent="-171450" algn="just">
+              <a:buFont typeface="Arial" panose="020B0604020202020204" pitchFamily="34" charset="0"/>
+              <a:buChar char="•"/>
+            </a:pPr>
+            <a:r>
+              <a:rPr lang="fr-FR" sz="1100" dirty="0" err="1">
+                <a:latin typeface="Bahnschrift Light" panose="020B0502040204020203" pitchFamily="34" charset="0"/>
+              </a:rPr>
+              <a:t>Frontside</a:t>
+            </a:r>
+            <a:r>
+              <a:rPr lang="fr-FR" sz="1100" dirty="0">
+                <a:latin typeface="Bahnschrift Light" panose="020B0502040204020203" pitchFamily="34" charset="0"/>
+              </a:rPr>
+              <a:t> </a:t>
+            </a:r>
+            <a:r>
+              <a:rPr lang="fr-FR" sz="1100" dirty="0" err="1">
+                <a:latin typeface="Bahnschrift Light" panose="020B0502040204020203" pitchFamily="34" charset="0"/>
+              </a:rPr>
+              <a:t>shovit</a:t>
+            </a:r>
+            <a:endParaRPr lang="fr-FR" sz="1100" dirty="0">
+              <a:latin typeface="Bahnschrift Light" panose="020B0502040204020203" pitchFamily="34" charset="0"/>
+            </a:endParaRPr>
+          </a:p>
+          <a:p>
+            <a:pPr marL="171450" indent="-171450" algn="just">
+              <a:buFont typeface="Arial" panose="020B0604020202020204" pitchFamily="34" charset="0"/>
+              <a:buChar char="•"/>
+            </a:pPr>
+            <a:r>
+              <a:rPr lang="fr-FR" sz="1100" dirty="0">
+                <a:latin typeface="Bahnschrift Light" panose="020B0502040204020203" pitchFamily="34" charset="0"/>
+              </a:rPr>
+              <a:t>Pop </a:t>
+            </a:r>
+            <a:r>
+              <a:rPr lang="fr-FR" sz="1100" dirty="0" err="1">
+                <a:latin typeface="Bahnschrift Light" panose="020B0502040204020203" pitchFamily="34" charset="0"/>
+              </a:rPr>
+              <a:t>shovit</a:t>
+            </a:r>
+            <a:endParaRPr lang="fr-FR" sz="1100" dirty="0">
+              <a:latin typeface="Bahnschrift Light" panose="020B0502040204020203" pitchFamily="34" charset="0"/>
+            </a:endParaRPr>
+          </a:p>
+          <a:p>
+            <a:pPr marL="171450" indent="-171450" algn="just">
+              <a:buFont typeface="Arial" panose="020B0604020202020204" pitchFamily="34" charset="0"/>
+              <a:buChar char="•"/>
+            </a:pPr>
+            <a:r>
+              <a:rPr lang="fr-FR" sz="1100" dirty="0">
+                <a:latin typeface="Bahnschrift Light" panose="020B0502040204020203" pitchFamily="34" charset="0"/>
+              </a:rPr>
+              <a:t>360 </a:t>
+            </a:r>
+            <a:r>
+              <a:rPr lang="fr-FR" sz="1100" dirty="0" smtClean="0">
+                <a:latin typeface="Bahnschrift Light" panose="020B0502040204020203" pitchFamily="34" charset="0"/>
+              </a:rPr>
+              <a:t>flip</a:t>
+            </a:r>
+            <a:endParaRPr lang="fr-FR" sz="1100" dirty="0">
+              <a:latin typeface="Bahnschrift Light" panose="020B0502040204020203" pitchFamily="34" charset="0"/>
+            </a:endParaRPr>
+          </a:p>
+        </p:txBody>
+      </p:sp>
+    </p:spTree>
+    <p:extLst>
+      <p:ext uri="{BB962C8B-B14F-4D97-AF65-F5344CB8AC3E}">
+        <p14:creationId xmlns:p14="http://schemas.microsoft.com/office/powerpoint/2010/main" val="3536096910"/>
+      </p:ext>
+    </p:extLst>
+  </p:cSld>
+  <p:clrMapOvr>
+    <a:masterClrMapping/>
+  </p:clrMapOvr>
+  <p:timing>
+    <p:tnLst>
+      <p:par>
+        <p:cTn id="1" dur="indefinite" restart="never" nodeType="tmRoot"/>
+      </p:par>
+    </p:tnLst>
+  </p:timing>
+</p:sld>
+</file>
+
+<file path=ppt/slides/slide2.xml><?xml version="1.0" encoding="utf-8"?>
+<p:sld xmlns:a="http://schemas.openxmlformats.org/drawingml/2006/main" xmlns:r="http://schemas.openxmlformats.org/officeDocument/2006/relationships" xmlns:p="http://schemas.openxmlformats.org/presentationml/2006/main">
+  <p:cSld>
+    <p:spTree>
+      <p:nvGrpSpPr>
+        <p:cNvPr id="1" name=""/>
+        <p:cNvGrpSpPr/>
+        <p:nvPr/>
+      </p:nvGrpSpPr>
+      <p:grpSpPr>
+        <a:xfrm>
+          <a:off x="0" y="0"/>
+          <a:ext cx="0" cy="0"/>
+          <a:chOff x="0" y="0"/>
+          <a:chExt cx="0" cy="0"/>
+        </a:xfrm>
+      </p:grpSpPr>
+      <p:sp>
+        <p:nvSpPr>
+          <p:cNvPr id="6" name="ZoneTexte 5"/>
+          <p:cNvSpPr txBox="1"/>
+          <p:nvPr/>
+        </p:nvSpPr>
+        <p:spPr>
+          <a:xfrm rot="16200000">
+            <a:off x="-2820663" y="3002073"/>
+            <a:ext cx="6785786" cy="754053"/>
+          </a:xfrm>
+          <a:prstGeom prst="rect">
+            <a:avLst/>
+          </a:prstGeom>
+          <a:noFill/>
+        </p:spPr>
+        <p:txBody>
           <a:bodyPr wrap="square" rtlCol="0">
             <a:spAutoFit/>
           </a:bodyPr>
@@ -3059,7 +4590,7 @@
           <a:p>
             <a:r>
               <a:rPr lang="fr-FR" sz="2500" b="1" dirty="0" smtClean="0">
-                <a:latin typeface="Bahnschrift Condensed" panose="020B0502040204020203" pitchFamily="34" charset="0"/>
+                <a:latin typeface="Bahnschrift SemiCondensed" panose="020B0502040204020203" pitchFamily="34" charset="0"/>
               </a:rPr>
               <a:t>SkateboardXXX3000</a:t>
             </a:r>
@@ -3072,9 +4603,20 @@
                     <a:lumMod val="50000"/>
                   </a:schemeClr>
                 </a:solidFill>
-                <a:latin typeface="Bahnschrift Condensed" panose="020B0502040204020203" pitchFamily="34" charset="0"/>
-              </a:rPr>
-              <a:t>Un projet de reconnaissance de figure de skate</a:t>
+                <a:latin typeface="Bahnschrift SemiCondensed" panose="020B0502040204020203" pitchFamily="34" charset="0"/>
+              </a:rPr>
+              <a:t>Fair</a:t>
+            </a:r>
+            <a:r>
+              <a:rPr lang="fr-FR" dirty="0" smtClean="0">
+                <a:solidFill>
+                  <a:schemeClr val="bg2">
+                    <a:lumMod val="50000"/>
+                  </a:schemeClr>
+                </a:solidFill>
+                <a:latin typeface="Bahnschrift SemiCondensed" panose="020B0502040204020203" pitchFamily="34" charset="0"/>
+              </a:rPr>
+              <a:t>e de l’analyse de données de skate</a:t>
             </a:r>
             <a:endParaRPr lang="de-DE" dirty="0">
               <a:solidFill>
@@ -3082,7 +4624,7 @@
                   <a:lumMod val="50000"/>
                 </a:schemeClr>
               </a:solidFill>
-              <a:latin typeface="Bahnschrift Condensed" panose="020B0502040204020203" pitchFamily="34" charset="0"/>
+              <a:latin typeface="Bahnschrift SemiCondensed" panose="020B0502040204020203" pitchFamily="34" charset="0"/>
             </a:endParaRPr>
           </a:p>
         </p:txBody>
@@ -3094,9 +4636,9 @@
           <p:nvPr/>
         </p:nvSpPr>
         <p:spPr>
-          <a:xfrm>
-            <a:off x="339633" y="967958"/>
-            <a:ext cx="2880000" cy="2739211"/>
+          <a:xfrm rot="16200000">
+            <a:off x="7536000" y="2451836"/>
+            <a:ext cx="2880000" cy="7048083"/>
           </a:xfrm>
           <a:prstGeom prst="rect">
             <a:avLst/>
@@ -3116,7 +4658,7 @@
           <a:p>
             <a:r>
               <a:rPr lang="fr-FR" dirty="0" smtClean="0">
-                <a:latin typeface="Bahnschrift Condensed" panose="020B0502040204020203" pitchFamily="34" charset="0"/>
+                <a:latin typeface="Bahnschrift SemiCondensed" panose="020B0502040204020203" pitchFamily="34" charset="0"/>
               </a:rPr>
               <a:t>Le projet</a:t>
             </a:r>
@@ -3130,83 +4672,220 @@
             <a:pPr algn="just"/>
             <a:r>
               <a:rPr lang="fr-FR" sz="1100" dirty="0" smtClean="0">
-                <a:latin typeface="Bahnschrift Light" panose="020B0502040204020203" pitchFamily="34" charset="0"/>
-              </a:rPr>
-              <a:t>SkateboardXXX3000 est </a:t>
+                <a:latin typeface="Bahnschrift Light SemiCondensed" panose="020B0502040204020203" pitchFamily="34" charset="0"/>
+              </a:rPr>
+              <a:t>SkateboardXXX3000 est un capteur (</a:t>
+            </a:r>
+            <a:r>
+              <a:rPr lang="fr-FR" sz="1100" b="1" dirty="0" err="1" smtClean="0">
+                <a:latin typeface="Bahnschrift Light SemiCondensed" panose="020B0502040204020203" pitchFamily="34" charset="0"/>
+              </a:rPr>
+              <a:t>Movuino</a:t>
             </a:r>
             <a:r>
               <a:rPr lang="fr-FR" sz="1100" dirty="0" smtClean="0">
-                <a:latin typeface="Bahnschrift Light" panose="020B0502040204020203" pitchFamily="34" charset="0"/>
-              </a:rPr>
-              <a:t>un capteur (</a:t>
-            </a:r>
-            <a:r>
-              <a:rPr lang="fr-FR" sz="1100" b="1" dirty="0" err="1" smtClean="0">
-                <a:latin typeface="Bahnschrift Light" panose="020B0502040204020203" pitchFamily="34" charset="0"/>
-              </a:rPr>
-              <a:t>Movuino</a:t>
+                <a:latin typeface="Bahnschrift Light SemiCondensed" panose="020B0502040204020203" pitchFamily="34" charset="0"/>
+              </a:rPr>
+              <a:t>) d’</a:t>
+            </a:r>
+            <a:r>
+              <a:rPr lang="fr-FR" sz="1100" b="1" dirty="0" smtClean="0">
+                <a:latin typeface="Bahnschrift Light SemiCondensed" panose="020B0502040204020203" pitchFamily="34" charset="0"/>
+              </a:rPr>
+              <a:t>accélération</a:t>
             </a:r>
             <a:r>
               <a:rPr lang="fr-FR" sz="1100" dirty="0" smtClean="0">
-                <a:latin typeface="Bahnschrift Light" panose="020B0502040204020203" pitchFamily="34" charset="0"/>
-              </a:rPr>
-              <a:t>) d’</a:t>
+                <a:latin typeface="Bahnschrift Light SemiCondensed" panose="020B0502040204020203" pitchFamily="34" charset="0"/>
+              </a:rPr>
+              <a:t> et </a:t>
             </a:r>
             <a:r>
               <a:rPr lang="fr-FR" sz="1100" b="1" dirty="0" smtClean="0">
-                <a:latin typeface="Bahnschrift Light" panose="020B0502040204020203" pitchFamily="34" charset="0"/>
-              </a:rPr>
-              <a:t>accélération</a:t>
+                <a:latin typeface="Bahnschrift Light SemiCondensed" panose="020B0502040204020203" pitchFamily="34" charset="0"/>
+              </a:rPr>
+              <a:t>gyroscopique</a:t>
             </a:r>
             <a:r>
               <a:rPr lang="fr-FR" sz="1100" dirty="0" smtClean="0">
-                <a:latin typeface="Bahnschrift Light" panose="020B0502040204020203" pitchFamily="34" charset="0"/>
-              </a:rPr>
-              <a:t> et </a:t>
+                <a:latin typeface="Bahnschrift Light SemiCondensed" panose="020B0502040204020203" pitchFamily="34" charset="0"/>
+              </a:rPr>
+              <a:t> placé sous le skate permettant d’analyser les </a:t>
             </a:r>
             <a:r>
               <a:rPr lang="fr-FR" sz="1100" b="1" dirty="0" smtClean="0">
-                <a:latin typeface="Bahnschrift Light" panose="020B0502040204020203" pitchFamily="34" charset="0"/>
-              </a:rPr>
-              <a:t>gyroscopique</a:t>
+                <a:latin typeface="Bahnschrift Light SemiCondensed" panose="020B0502040204020203" pitchFamily="34" charset="0"/>
+              </a:rPr>
+              <a:t>mouvements simplexes </a:t>
             </a:r>
             <a:r>
               <a:rPr lang="fr-FR" sz="1100" dirty="0" smtClean="0">
-                <a:latin typeface="Bahnschrift Light" panose="020B0502040204020203" pitchFamily="34" charset="0"/>
-              </a:rPr>
-              <a:t> placé sous le skate </a:t>
+                <a:latin typeface="Bahnschrift Light SemiCondensed" panose="020B0502040204020203" pitchFamily="34" charset="0"/>
+              </a:rPr>
+              <a:t>qu’un skateur peut faire. J’ai démarré ce projet l’année dernière durant ma césure, et je l’ai continué en tant que projet de fin d’étude cette année avec un camarade. Nous avons orienté notre travail sur la reconnaissance des figures. Nous sommes très fiers des premiers résultats que nous avons obtenus, mais il reste encore beaucoup à faire et à améliorer. </a:t>
+            </a:r>
+          </a:p>
+          <a:p>
+            <a:pPr algn="just"/>
+            <a:endParaRPr lang="fr-FR" sz="1100" dirty="0" smtClean="0">
+              <a:latin typeface="Bahnschrift Light SemiCondensed" panose="020B0502040204020203" pitchFamily="34" charset="0"/>
+            </a:endParaRPr>
+          </a:p>
+          <a:p>
+            <a:r>
+              <a:rPr lang="fr-FR" dirty="0" smtClean="0">
+                <a:latin typeface="Bahnschrift SemiCondensed" panose="020B0502040204020203" pitchFamily="34" charset="0"/>
+              </a:rPr>
+              <a:t>Les enjeux</a:t>
+            </a:r>
+          </a:p>
+          <a:p>
+            <a:endParaRPr lang="fr-FR" sz="1100" dirty="0">
+              <a:latin typeface="Bahnschrift Condensed" panose="020B0502040204020203" pitchFamily="34" charset="0"/>
+            </a:endParaRPr>
+          </a:p>
+          <a:p>
+            <a:pPr algn="just"/>
+            <a:r>
+              <a:rPr lang="fr-FR" sz="1400" dirty="0">
+                <a:solidFill>
+                  <a:schemeClr val="bg2">
+                    <a:lumMod val="50000"/>
+                  </a:schemeClr>
+                </a:solidFill>
+                <a:latin typeface="Bahnschrift SemiCondensed" panose="020B0502040204020203" pitchFamily="34" charset="0"/>
+              </a:rPr>
+              <a:t>Sportifs</a:t>
+            </a:r>
+          </a:p>
+          <a:p>
+            <a:pPr algn="just"/>
+            <a:r>
+              <a:rPr lang="fr-FR" sz="1100" dirty="0">
+                <a:latin typeface="Bahnschrift Light SemiCondensed" panose="020B0502040204020203" pitchFamily="34" charset="0"/>
+              </a:rPr>
+              <a:t>Prévention de la blessure, étude de la performance, apprentissage de la discipline</a:t>
+            </a:r>
+          </a:p>
+          <a:p>
+            <a:pPr algn="just"/>
+            <a:endParaRPr lang="fr-FR" sz="1100" dirty="0">
+              <a:solidFill>
+                <a:schemeClr val="bg2">
+                  <a:lumMod val="50000"/>
+                </a:schemeClr>
+              </a:solidFill>
+              <a:latin typeface="Bahnschrift Condensed" panose="020B0502040204020203" pitchFamily="34" charset="0"/>
+            </a:endParaRPr>
+          </a:p>
+          <a:p>
+            <a:pPr algn="just"/>
+            <a:r>
+              <a:rPr lang="fr-FR" sz="1400" dirty="0">
+                <a:solidFill>
+                  <a:schemeClr val="bg2">
+                    <a:lumMod val="50000"/>
+                  </a:schemeClr>
+                </a:solidFill>
+                <a:latin typeface="Bahnschrift SemiCondensed" panose="020B0502040204020203" pitchFamily="34" charset="0"/>
+              </a:rPr>
+              <a:t>Pédagogiques</a:t>
+            </a:r>
+          </a:p>
+          <a:p>
+            <a:pPr algn="just"/>
+            <a:r>
+              <a:rPr lang="fr-FR" sz="1100" dirty="0">
+                <a:latin typeface="Bahnschrift Light SemiCondensed" panose="020B0502040204020203" pitchFamily="34" charset="0"/>
+              </a:rPr>
+              <a:t>Etude et compréhension de la discipline avec une approche scientifique</a:t>
+            </a:r>
+          </a:p>
+          <a:p>
+            <a:pPr algn="just"/>
+            <a:endParaRPr lang="fr-FR" sz="1100" dirty="0">
+              <a:latin typeface="Bahnschrift Light SemiCondensed" panose="020B0502040204020203" pitchFamily="34" charset="0"/>
+            </a:endParaRPr>
+          </a:p>
+          <a:p>
+            <a:r>
+              <a:rPr lang="fr-FR" dirty="0">
+                <a:latin typeface="Bahnschrift SemiCondensed" panose="020B0502040204020203" pitchFamily="34" charset="0"/>
+              </a:rPr>
+              <a:t>Les motivations</a:t>
+            </a:r>
+          </a:p>
+          <a:p>
+            <a:endParaRPr lang="fr-FR" sz="1100" dirty="0">
+              <a:latin typeface="Bahnschrift" panose="020B0502040204020203" pitchFamily="34" charset="0"/>
+            </a:endParaRPr>
+          </a:p>
+          <a:p>
+            <a:pPr algn="just"/>
+            <a:r>
+              <a:rPr lang="fr-FR" sz="1100" dirty="0">
+                <a:latin typeface="Bahnschrift Light SemiCondensed" panose="020B0502040204020203" pitchFamily="34" charset="0"/>
+              </a:rPr>
+              <a:t>Quand j’ai parlé de ce projet a mes encadrants de stage, Joël et Adrien, je voyais en lui l’opportunité de challenger mes capacités de futur ingénieur sur un sujet qui me passionne depuis maintenant 2 ans et demi. Très intéressé par la programmation et l’analyse de données, avec l’aide de nombreuses personnes, nous avons monté brique par brique les premières étapes du projet. Ces étapes allant de la confection d’un </a:t>
+            </a:r>
+            <a:r>
+              <a:rPr lang="fr-FR" sz="1100" b="1" dirty="0">
+                <a:latin typeface="Bahnschrift Light SemiCondensed" panose="020B0502040204020203" pitchFamily="34" charset="0"/>
+              </a:rPr>
+              <a:t>boitier</a:t>
+            </a:r>
+            <a:r>
+              <a:rPr lang="fr-FR" sz="1100" dirty="0">
+                <a:latin typeface="Bahnschrift Light SemiCondensed" panose="020B0502040204020203" pitchFamily="34" charset="0"/>
+              </a:rPr>
+              <a:t> se fixant sur le skate à la </a:t>
+            </a:r>
+            <a:r>
+              <a:rPr lang="fr-FR" sz="1100" b="1" dirty="0">
+                <a:latin typeface="Bahnschrift Light SemiCondensed" panose="020B0502040204020203" pitchFamily="34" charset="0"/>
+              </a:rPr>
+              <a:t>reconnaissance de figure </a:t>
+            </a:r>
+            <a:r>
+              <a:rPr lang="fr-FR" sz="1100" dirty="0">
+                <a:latin typeface="Bahnschrift Light SemiCondensed" panose="020B0502040204020203" pitchFamily="34" charset="0"/>
+              </a:rPr>
+              <a:t>en passant par la </a:t>
+            </a:r>
+            <a:r>
+              <a:rPr lang="fr-FR" sz="1100" b="1" dirty="0">
+                <a:latin typeface="Bahnschrift Light SemiCondensed" panose="020B0502040204020203" pitchFamily="34" charset="0"/>
+              </a:rPr>
+              <a:t>visualisation 3D </a:t>
+            </a:r>
+            <a:r>
+              <a:rPr lang="fr-FR" sz="1100" dirty="0">
+                <a:latin typeface="Bahnschrift Light SemiCondensed" panose="020B0502040204020203" pitchFamily="34" charset="0"/>
+              </a:rPr>
+              <a:t>des figures</a:t>
             </a:r>
             <a:r>
               <a:rPr lang="fr-FR" sz="1100" dirty="0" smtClean="0">
-                <a:latin typeface="Bahnschrift Light" panose="020B0502040204020203" pitchFamily="34" charset="0"/>
-              </a:rPr>
-              <a:t>permettant d’analyser les </a:t>
-            </a:r>
-            <a:r>
-              <a:rPr lang="fr-FR" sz="1100" b="1" dirty="0" smtClean="0">
-                <a:latin typeface="Bahnschrift Light" panose="020B0502040204020203" pitchFamily="34" charset="0"/>
-              </a:rPr>
-              <a:t>mouvements simplexes </a:t>
-            </a:r>
-            <a:r>
-              <a:rPr lang="fr-FR" sz="1100" dirty="0" smtClean="0">
-                <a:latin typeface="Bahnschrift Light" panose="020B0502040204020203" pitchFamily="34" charset="0"/>
-              </a:rPr>
-              <a:t>qu’un skateur peut faire. J’ai démarré ce projet l’année dernière durant ma césure, et je l’ai continué en tant que projet de fin d’étude cette année avec un camarade. Nous avons orienté notre travail sur la reconnaissance des figures. Nous sommes très fiers des premiers résultats que nous avons obtenus, mais il reste encore beaucoup à faire et à améliorer.</a:t>
-            </a:r>
-          </a:p>
-        </p:txBody>
-      </p:sp>
-      <p:sp>
-        <p:nvSpPr>
-          <p:cNvPr id="8" name="ZoneTexte 7"/>
+                <a:latin typeface="Bahnschrift Light SemiCondensed" panose="020B0502040204020203" pitchFamily="34" charset="0"/>
+              </a:rPr>
+              <a:t>.</a:t>
+            </a:r>
+            <a:endParaRPr lang="de-DE" sz="1100" dirty="0">
+              <a:latin typeface="Bahnschrift Light SemiCondensed" panose="020B0502040204020203" pitchFamily="34" charset="0"/>
+            </a:endParaRPr>
+          </a:p>
+        </p:txBody>
+      </p:sp>
+      <p:sp>
+        <p:nvSpPr>
+          <p:cNvPr id="12" name="ZoneTexte 11"/>
           <p:cNvSpPr txBox="1"/>
           <p:nvPr/>
         </p:nvSpPr>
         <p:spPr>
-          <a:xfrm>
-            <a:off x="339633" y="3707169"/>
-            <a:ext cx="2880000" cy="2908489"/>
+          <a:xfrm rot="16200000">
+            <a:off x="8236193" y="-1128357"/>
+            <a:ext cx="2880000" cy="8448467"/>
           </a:xfrm>
           <a:prstGeom prst="rect">
             <a:avLst/>
@@ -3226,88 +4905,336 @@
           <a:p>
             <a:r>
               <a:rPr lang="fr-FR" dirty="0" smtClean="0">
-                <a:latin typeface="Bahnschrift Condensed" panose="020B0502040204020203" pitchFamily="34" charset="0"/>
-              </a:rPr>
-              <a:t>Les motivations</a:t>
-            </a:r>
+                <a:latin typeface="Bahnschrift SemiCondensed" panose="020B0502040204020203" pitchFamily="34" charset="0"/>
+              </a:rPr>
+              <a:t>Nos objectifs</a:t>
+            </a:r>
+            <a:endParaRPr lang="fr-FR" sz="1400" dirty="0" smtClean="0">
+              <a:solidFill>
+                <a:schemeClr val="tx1">
+                  <a:lumMod val="50000"/>
+                  <a:lumOff val="50000"/>
+                </a:schemeClr>
+              </a:solidFill>
+              <a:latin typeface="Bahnschrift SemiCondensed" panose="020B0502040204020203" pitchFamily="34" charset="0"/>
+            </a:endParaRPr>
           </a:p>
           <a:p>
             <a:endParaRPr lang="fr-FR" sz="1100" dirty="0">
-              <a:latin typeface="Bahnschrift" panose="020B0502040204020203" pitchFamily="34" charset="0"/>
-            </a:endParaRPr>
+              <a:solidFill>
+                <a:schemeClr val="tx1">
+                  <a:lumMod val="50000"/>
+                  <a:lumOff val="50000"/>
+                </a:schemeClr>
+              </a:solidFill>
+              <a:latin typeface="Bahnschrift Condensed" panose="020B0502040204020203" pitchFamily="34" charset="0"/>
+            </a:endParaRPr>
+          </a:p>
+          <a:p>
+            <a:pPr algn="just"/>
+            <a:r>
+              <a:rPr lang="fr-FR" sz="1400" dirty="0" smtClean="0">
+                <a:solidFill>
+                  <a:schemeClr val="bg2">
+                    <a:lumMod val="50000"/>
+                  </a:schemeClr>
+                </a:solidFill>
+                <a:latin typeface="Bahnschrift SemiCondensed" panose="020B0502040204020203" pitchFamily="34" charset="0"/>
+              </a:rPr>
+              <a:t>La reconnaissance de figure</a:t>
+            </a:r>
           </a:p>
           <a:p>
             <a:pPr algn="just"/>
             <a:r>
               <a:rPr lang="fr-FR" sz="1100" dirty="0" smtClean="0">
+                <a:latin typeface="Bahnschrift Light SemiCondensed" panose="020B0502040204020203" pitchFamily="34" charset="0"/>
+              </a:rPr>
+              <a:t>Détection de figure, classification…</a:t>
+            </a:r>
+          </a:p>
+          <a:p>
+            <a:pPr algn="just"/>
+            <a:endParaRPr lang="fr-FR" sz="1100" dirty="0">
+              <a:solidFill>
+                <a:schemeClr val="bg2">
+                  <a:lumMod val="50000"/>
+                </a:schemeClr>
+              </a:solidFill>
+              <a:latin typeface="Bahnschrift Condensed" panose="020B0502040204020203" pitchFamily="34" charset="0"/>
+            </a:endParaRPr>
+          </a:p>
+          <a:p>
+            <a:pPr algn="just"/>
+            <a:r>
+              <a:rPr lang="fr-FR" sz="1400" dirty="0" smtClean="0">
+                <a:solidFill>
+                  <a:schemeClr val="bg2">
+                    <a:lumMod val="50000"/>
+                  </a:schemeClr>
+                </a:solidFill>
+                <a:latin typeface="Bahnschrift SemiCondensed" panose="020B0502040204020203" pitchFamily="34" charset="0"/>
+              </a:rPr>
+              <a:t>Extraire des données pertinentes pour la pratique du skate </a:t>
+            </a:r>
+          </a:p>
+          <a:p>
+            <a:pPr algn="just"/>
+            <a:r>
+              <a:rPr lang="fr-FR" sz="1100" dirty="0" smtClean="0">
+                <a:latin typeface="Bahnschrift Light SemiCondensed" panose="020B0502040204020203" pitchFamily="34" charset="0"/>
+              </a:rPr>
+              <a:t>Hauteur, évaluation de la progression…</a:t>
+            </a:r>
+          </a:p>
+          <a:p>
+            <a:pPr algn="just"/>
+            <a:endParaRPr lang="fr-FR" sz="1100" dirty="0">
+              <a:solidFill>
+                <a:schemeClr val="bg2">
+                  <a:lumMod val="50000"/>
+                </a:schemeClr>
+              </a:solidFill>
+              <a:latin typeface="Bahnschrift Light SemiCondensed" panose="020B0502040204020203" pitchFamily="34" charset="0"/>
+            </a:endParaRPr>
+          </a:p>
+          <a:p>
+            <a:r>
+              <a:rPr lang="fr-FR" dirty="0">
+                <a:latin typeface="Bahnschrift SemiCondensed" panose="020B0502040204020203" pitchFamily="34" charset="0"/>
+              </a:rPr>
+              <a:t>L’approche générale </a:t>
+            </a:r>
+          </a:p>
+          <a:p>
+            <a:r>
+              <a:rPr lang="fr-FR" sz="1400" dirty="0">
+                <a:solidFill>
+                  <a:schemeClr val="tx1">
+                    <a:lumMod val="50000"/>
+                    <a:lumOff val="50000"/>
+                  </a:schemeClr>
+                </a:solidFill>
+                <a:latin typeface="Bahnschrift SemiCondensed" panose="020B0502040204020203" pitchFamily="34" charset="0"/>
+              </a:rPr>
+              <a:t>Simple mais efficace</a:t>
+            </a:r>
+          </a:p>
+          <a:p>
+            <a:endParaRPr lang="fr-FR" sz="1400" dirty="0">
+              <a:solidFill>
+                <a:schemeClr val="tx1">
+                  <a:lumMod val="50000"/>
+                  <a:lumOff val="50000"/>
+                </a:schemeClr>
+              </a:solidFill>
+              <a:latin typeface="Bahnschrift Condensed" panose="020B0502040204020203" pitchFamily="34" charset="0"/>
+            </a:endParaRPr>
+          </a:p>
+          <a:p>
+            <a:pPr algn="just"/>
+            <a:r>
+              <a:rPr lang="fr-FR" sz="1100" dirty="0">
+                <a:latin typeface="Bahnschrift Light SemiCondensed" panose="020B0502040204020203" pitchFamily="34" charset="0"/>
+              </a:rPr>
+              <a:t>Dans l’état de l’art nous pouvons trouver beaucoup d’article scientifique ayant traités de problématiques similaires. Cependant nous avons remarqué que peu font le lien entre la discipline et leurs données. Les données sont pourtant très visuels et compréhensibles. C’est pourquoi nous avons abordé une démarche simple, voire naïve afin d’exploiter au maximum les données extraites</a:t>
+            </a:r>
+            <a:r>
+              <a:rPr lang="fr-FR" sz="1100" dirty="0" smtClean="0">
+                <a:latin typeface="Bahnschrift Light SemiCondensed" panose="020B0502040204020203" pitchFamily="34" charset="0"/>
+              </a:rPr>
+              <a:t>.</a:t>
+            </a:r>
+          </a:p>
+          <a:p>
+            <a:pPr algn="just"/>
+            <a:endParaRPr lang="fr-FR" sz="1100" dirty="0">
+              <a:latin typeface="Bahnschrift Light SemiCondensed" panose="020B0502040204020203" pitchFamily="34" charset="0"/>
+            </a:endParaRPr>
+          </a:p>
+          <a:p>
+            <a:pPr algn="just"/>
+            <a:r>
+              <a:rPr lang="fr-FR" dirty="0">
+                <a:latin typeface="Bahnschrift SemiCondensed" panose="020B0502040204020203" pitchFamily="34" charset="0"/>
+              </a:rPr>
+              <a:t>La reconnaissance de figure</a:t>
+            </a:r>
+          </a:p>
+          <a:p>
+            <a:pPr algn="just"/>
+            <a:endParaRPr lang="fr-FR" sz="1100" dirty="0">
+              <a:solidFill>
+                <a:schemeClr val="bg2">
+                  <a:lumMod val="50000"/>
+                </a:schemeClr>
+              </a:solidFill>
+              <a:latin typeface="Bahnschrift Condensed" panose="020B0502040204020203" pitchFamily="34" charset="0"/>
+            </a:endParaRPr>
+          </a:p>
+          <a:p>
+            <a:pPr algn="just"/>
+            <a:r>
+              <a:rPr lang="fr-FR" sz="1100" dirty="0">
                 <a:latin typeface="Bahnschrift Light" panose="020B0502040204020203" pitchFamily="34" charset="0"/>
               </a:rPr>
-              <a:t>Quand j’ai parlé de ce projet a mes encadrants de stage, Joël et </a:t>
-            </a:r>
-            <a:r>
-              <a:rPr lang="fr-FR" sz="1100" dirty="0" smtClean="0">
+              <a:t>Pour effectuer la reconnaissance de figure, nous avons dissocier la tache en deux : la détection d’événement, et la classification des événements détectés. Cela permet de dissocier la performance de détection et de classification. De plus, cela permet de réduire la quantité de donner à traiter par notre algorithme.</a:t>
+            </a:r>
+          </a:p>
+          <a:p>
+            <a:pPr algn="just"/>
+            <a:endParaRPr lang="fr-FR" sz="1100" dirty="0">
+              <a:latin typeface="Bahnschrift Light" panose="020B0502040204020203" pitchFamily="34" charset="0"/>
+            </a:endParaRPr>
+          </a:p>
+          <a:p>
+            <a:pPr algn="just"/>
+            <a:r>
+              <a:rPr lang="fr-FR" sz="1400" dirty="0">
+                <a:solidFill>
+                  <a:schemeClr val="tx1">
+                    <a:lumMod val="50000"/>
+                    <a:lumOff val="50000"/>
+                  </a:schemeClr>
+                </a:solidFill>
+                <a:latin typeface="Bahnschrift SemiCondensed" panose="020B0502040204020203" pitchFamily="34" charset="0"/>
+              </a:rPr>
+              <a:t>Les figures évaluées </a:t>
+            </a:r>
+          </a:p>
+          <a:p>
+            <a:pPr algn="just"/>
+            <a:endParaRPr lang="fr-FR" sz="1100" dirty="0">
+              <a:latin typeface="Bahnschrift Light" panose="020B0502040204020203" pitchFamily="34" charset="0"/>
+            </a:endParaRPr>
+          </a:p>
+          <a:p>
+            <a:pPr marL="171450" indent="-171450" algn="just">
+              <a:buFont typeface="Arial" panose="020B0604020202020204" pitchFamily="34" charset="0"/>
+              <a:buChar char="•"/>
+            </a:pPr>
+            <a:r>
+              <a:rPr lang="fr-FR" sz="1100" dirty="0" err="1">
                 <a:latin typeface="Bahnschrift Light" panose="020B0502040204020203" pitchFamily="34" charset="0"/>
               </a:rPr>
-              <a:t>Adrien, </a:t>
-            </a:r>
-            <a:r>
-              <a:rPr lang="fr-FR" sz="1100" dirty="0" smtClean="0">
+              <a:t>Ollie</a:t>
+            </a:r>
+            <a:endParaRPr lang="fr-FR" sz="1100" dirty="0">
+              <a:latin typeface="Bahnschrift Light" panose="020B0502040204020203" pitchFamily="34" charset="0"/>
+            </a:endParaRPr>
+          </a:p>
+          <a:p>
+            <a:pPr marL="171450" indent="-171450" algn="just">
+              <a:buFont typeface="Arial" panose="020B0604020202020204" pitchFamily="34" charset="0"/>
+              <a:buChar char="•"/>
+            </a:pPr>
+            <a:r>
+              <a:rPr lang="fr-FR" sz="1100" dirty="0" err="1">
                 <a:latin typeface="Bahnschrift Light" panose="020B0502040204020203" pitchFamily="34" charset="0"/>
               </a:rPr>
-              <a:t>je voyais en lui l’opportunité de challenger mes capacités de futur ingénieur sur un sujet qui me passionne depuis maintenant 2 ans et demi. Très intéressé par la programmation et l’analyse de données, avec l’aide de nombreuses personnes, nous avons monté brique par brique les premières étapes du projet. Ces étapes allant de la confection d’un </a:t>
-            </a:r>
-            <a:r>
-              <a:rPr lang="fr-FR" sz="1100" b="1" dirty="0" smtClean="0">
+              <a:t>Kickflip</a:t>
+            </a:r>
+            <a:endParaRPr lang="fr-FR" sz="1100" dirty="0">
+              <a:latin typeface="Bahnschrift Light" panose="020B0502040204020203" pitchFamily="34" charset="0"/>
+            </a:endParaRPr>
+          </a:p>
+          <a:p>
+            <a:pPr marL="171450" indent="-171450" algn="just">
+              <a:buFont typeface="Arial" panose="020B0604020202020204" pitchFamily="34" charset="0"/>
+              <a:buChar char="•"/>
+            </a:pPr>
+            <a:r>
+              <a:rPr lang="fr-FR" sz="1100" dirty="0" err="1">
                 <a:latin typeface="Bahnschrift Light" panose="020B0502040204020203" pitchFamily="34" charset="0"/>
               </a:rPr>
-              <a:t>boitier</a:t>
-            </a:r>
-            <a:r>
-              <a:rPr lang="fr-FR" sz="1100" dirty="0" smtClean="0">
+              <a:t>Heelflip</a:t>
+            </a:r>
+            <a:endParaRPr lang="fr-FR" sz="1100" dirty="0">
+              <a:solidFill>
+                <a:schemeClr val="tx1">
+                  <a:lumMod val="50000"/>
+                  <a:lumOff val="50000"/>
+                </a:schemeClr>
+              </a:solidFill>
+              <a:latin typeface="Bahnschrift Light" panose="020B0502040204020203" pitchFamily="34" charset="0"/>
+            </a:endParaRPr>
+          </a:p>
+          <a:p>
+            <a:pPr algn="just"/>
+            <a:endParaRPr lang="fr-FR" sz="1100" dirty="0">
+              <a:solidFill>
+                <a:schemeClr val="bg2">
+                  <a:lumMod val="50000"/>
+                </a:schemeClr>
+              </a:solidFill>
+              <a:latin typeface="Bahnschrift Light" panose="020B0502040204020203" pitchFamily="34" charset="0"/>
+            </a:endParaRPr>
+          </a:p>
+          <a:p>
+            <a:pPr algn="just"/>
+            <a:r>
+              <a:rPr lang="fr-FR" sz="1400" dirty="0">
+                <a:solidFill>
+                  <a:schemeClr val="tx1">
+                    <a:lumMod val="50000"/>
+                    <a:lumOff val="50000"/>
+                  </a:schemeClr>
+                </a:solidFill>
+                <a:latin typeface="Bahnschrift SemiCondensed" panose="020B0502040204020203" pitchFamily="34" charset="0"/>
+              </a:rPr>
+              <a:t>La détection d’évènement</a:t>
+            </a:r>
+          </a:p>
+          <a:p>
+            <a:pPr algn="just"/>
+            <a:endParaRPr lang="fr-FR" sz="1400" dirty="0">
+              <a:solidFill>
+                <a:schemeClr val="tx1">
+                  <a:lumMod val="50000"/>
+                  <a:lumOff val="50000"/>
+                </a:schemeClr>
+              </a:solidFill>
+              <a:latin typeface="Bahnschrift Condensed" panose="020B0502040204020203" pitchFamily="34" charset="0"/>
+            </a:endParaRPr>
+          </a:p>
+          <a:p>
+            <a:pPr algn="just"/>
+            <a:r>
+              <a:rPr lang="fr-FR" sz="1100" dirty="0">
                 <a:latin typeface="Bahnschrift Light" panose="020B0502040204020203" pitchFamily="34" charset="0"/>
               </a:rPr>
-              <a:t> se fixant sur le skate à la </a:t>
-            </a:r>
-            <a:r>
-              <a:rPr lang="fr-FR" sz="1100" b="1" dirty="0" smtClean="0">
-                <a:latin typeface="Bahnschrift Light" panose="020B0502040204020203" pitchFamily="34" charset="0"/>
-              </a:rPr>
-              <a:t>reconnaissance de figure </a:t>
-            </a:r>
-            <a:r>
-              <a:rPr lang="fr-FR" sz="1100" dirty="0" smtClean="0">
-                <a:latin typeface="Bahnschrift Light" panose="020B0502040204020203" pitchFamily="34" charset="0"/>
-              </a:rPr>
-              <a:t>en passant par la </a:t>
-            </a:r>
-            <a:r>
-              <a:rPr lang="fr-FR" sz="1100" b="1" dirty="0" smtClean="0">
-                <a:latin typeface="Bahnschrift Light" panose="020B0502040204020203" pitchFamily="34" charset="0"/>
-              </a:rPr>
-              <a:t>visualisation 3D </a:t>
-            </a:r>
-            <a:r>
-              <a:rPr lang="fr-FR" sz="1100" dirty="0" smtClean="0">
-                <a:latin typeface="Bahnschrift Light" panose="020B0502040204020203" pitchFamily="34" charset="0"/>
-              </a:rPr>
-              <a:t>des figures.</a:t>
-            </a:r>
-            <a:endParaRPr lang="de-DE" sz="1100" dirty="0" smtClean="0">
-              <a:latin typeface="Bahnschrift Light" panose="020B0502040204020203" pitchFamily="34" charset="0"/>
-            </a:endParaRPr>
-          </a:p>
-        </p:txBody>
-      </p:sp>
-      <p:sp>
-        <p:nvSpPr>
-          <p:cNvPr id="9" name="ZoneTexte 8"/>
+              <a:t>Pour effectuer cette tache, nous avons utilisé l’énergie présente dans les données </a:t>
+            </a:r>
+          </a:p>
+          <a:p>
+            <a:pPr algn="just"/>
+            <a:endParaRPr lang="fr-FR" sz="1100" dirty="0">
+              <a:latin typeface="Bahnschrift Light SemiCondensed" panose="020B0502040204020203" pitchFamily="34" charset="0"/>
+            </a:endParaRPr>
+          </a:p>
+          <a:p>
+            <a:pPr algn="just"/>
+            <a:endParaRPr lang="fr-FR" sz="1400" dirty="0" smtClean="0">
+              <a:solidFill>
+                <a:schemeClr val="bg2">
+                  <a:lumMod val="50000"/>
+                </a:schemeClr>
+              </a:solidFill>
+              <a:latin typeface="Bahnschrift Light SemiCondensed" panose="020B0502040204020203" pitchFamily="34" charset="0"/>
+            </a:endParaRPr>
+          </a:p>
+        </p:txBody>
+      </p:sp>
+      <p:sp>
+        <p:nvSpPr>
+          <p:cNvPr id="13" name="ZoneTexte 12"/>
           <p:cNvSpPr txBox="1"/>
           <p:nvPr/>
         </p:nvSpPr>
         <p:spPr>
           <a:xfrm>
-            <a:off x="3359927" y="2352953"/>
-            <a:ext cx="2880000" cy="4262705"/>
+            <a:off x="8976000" y="966202"/>
+            <a:ext cx="2880000" cy="5047536"/>
           </a:xfrm>
           <a:prstGeom prst="rect">
             <a:avLst/>
@@ -3325,211 +5252,328 @@
           </a:bodyPr>
           <a:lstStyle/>
           <a:p>
-            <a:r>
-              <a:rPr lang="fr-FR" dirty="0" smtClean="0">
-                <a:latin typeface="Bahnschrift Condensed" panose="020B0502040204020203" pitchFamily="34" charset="0"/>
-              </a:rPr>
-              <a:t>L’approche générale </a:t>
-            </a:r>
-          </a:p>
-          <a:p>
-            <a:endParaRPr lang="fr-FR" sz="1100" dirty="0" smtClean="0">
-              <a:latin typeface="Bahnschrift" panose="020B0502040204020203" pitchFamily="34" charset="0"/>
-            </a:endParaRPr>
-          </a:p>
-          <a:p>
+            <a:pPr algn="just"/>
             <a:r>
               <a:rPr lang="fr-FR" sz="1100" dirty="0" smtClean="0">
                 <a:latin typeface="Bahnschrift Light" panose="020B0502040204020203" pitchFamily="34" charset="0"/>
               </a:rPr>
-              <a:t>Nous avons pour chaque étape l’idée de créer un système le plus </a:t>
-            </a:r>
-            <a:r>
-              <a:rPr lang="fr-FR" sz="1100" b="1" dirty="0" smtClean="0">
+              <a:t>d’accélérations et gyroscopiques. En effet, ces pics sont présents quand le skateur effectue une figure car il apporte de l’énergie au skate (rotation) et les impacts qui s’ensuivent (accélération). Cependant, le skateur peut aussi apporter de l’énergie au skate sans pour autant effectuer une figure (virage, pick-up…</a:t>
+            </a:r>
+            <a:r>
+              <a:rPr lang="fr-FR" sz="1100" dirty="0" err="1" smtClean="0">
                 <a:latin typeface="Bahnschrift Light" panose="020B0502040204020203" pitchFamily="34" charset="0"/>
               </a:rPr>
-              <a:t>modulable</a:t>
+              <a:t>etc</a:t>
             </a:r>
             <a:r>
               <a:rPr lang="fr-FR" sz="1100" dirty="0" smtClean="0">
                 <a:latin typeface="Bahnschrift Light" panose="020B0502040204020203" pitchFamily="34" charset="0"/>
               </a:rPr>
-              <a:t> possible :</a:t>
-            </a:r>
-          </a:p>
-          <a:p>
-            <a:pPr marL="171450" indent="-171450">
-              <a:buFont typeface="Arial" panose="020B0604020202020204" pitchFamily="34" charset="0"/>
-              <a:buChar char="•"/>
-            </a:pPr>
-            <a:r>
-              <a:rPr lang="fr-FR" sz="1100" b="1" dirty="0" smtClean="0">
-                <a:latin typeface="Bahnschrift Light" panose="020B0502040204020203" pitchFamily="34" charset="0"/>
-              </a:rPr>
-              <a:t>Le boitier </a:t>
-            </a:r>
+              <a:t>).</a:t>
+            </a:r>
+          </a:p>
+          <a:p>
+            <a:pPr algn="just"/>
+            <a:endParaRPr lang="fr-FR" sz="1100" dirty="0">
+              <a:latin typeface="Bahnschrift Light" panose="020B0502040204020203" pitchFamily="34" charset="0"/>
+            </a:endParaRPr>
+          </a:p>
+          <a:p>
+            <a:pPr algn="just"/>
+            <a:r>
+              <a:rPr lang="fr-FR" sz="1400" dirty="0" smtClean="0">
+                <a:solidFill>
+                  <a:schemeClr val="tx1">
+                    <a:lumMod val="50000"/>
+                    <a:lumOff val="50000"/>
+                  </a:schemeClr>
+                </a:solidFill>
+                <a:latin typeface="Bahnschrift SemiCondensed" panose="020B0502040204020203" pitchFamily="34" charset="0"/>
+              </a:rPr>
+              <a:t>Tri des événements et classifications</a:t>
+            </a:r>
+          </a:p>
+          <a:p>
+            <a:pPr algn="just"/>
+            <a:r>
+              <a:rPr lang="fr-FR" sz="1100" dirty="0" smtClean="0">
+                <a:solidFill>
+                  <a:schemeClr val="tx2">
+                    <a:lumMod val="75000"/>
+                  </a:schemeClr>
+                </a:solidFill>
+                <a:latin typeface="Bahnschrift SemiCondensed" panose="020B0502040204020203" pitchFamily="34" charset="0"/>
+              </a:rPr>
+              <a:t>D’une pierre 2 coups</a:t>
+            </a:r>
+            <a:endParaRPr lang="fr-FR" sz="1100" dirty="0">
+              <a:solidFill>
+                <a:schemeClr val="tx2">
+                  <a:lumMod val="75000"/>
+                </a:schemeClr>
+              </a:solidFill>
+              <a:latin typeface="Bahnschrift SemiCondensed" panose="020B0502040204020203" pitchFamily="34" charset="0"/>
+            </a:endParaRPr>
+          </a:p>
+          <a:p>
+            <a:pPr algn="just"/>
+            <a:endParaRPr lang="fr-FR" sz="1100" dirty="0" smtClean="0">
+              <a:latin typeface="Bahnschrift Light" panose="020B0502040204020203" pitchFamily="34" charset="0"/>
+            </a:endParaRPr>
+          </a:p>
+          <a:p>
+            <a:pPr algn="just"/>
             <a:r>
               <a:rPr lang="fr-FR" sz="1100" dirty="0" smtClean="0">
                 <a:latin typeface="Bahnschrift Light" panose="020B0502040204020203" pitchFamily="34" charset="0"/>
               </a:rPr>
-              <a:t>: Imprimé en 3D, il sert à protéger et maintenir le capteur  fixé au niveau des trucks sous le skate, il a été pensé pour être placé et enlevé facilement.</a:t>
-            </a:r>
-          </a:p>
-          <a:p>
-            <a:pPr marL="171450" indent="-171450">
-              <a:buFont typeface="Arial" panose="020B0604020202020204" pitchFamily="34" charset="0"/>
-              <a:buChar char="•"/>
-            </a:pPr>
-            <a:r>
-              <a:rPr lang="fr-FR" sz="1100" b="1" dirty="0" smtClean="0">
-                <a:latin typeface="Bahnschrift Light" panose="020B0502040204020203" pitchFamily="34" charset="0"/>
-              </a:rPr>
-              <a:t>L’analyse des données </a:t>
-            </a:r>
-            <a:r>
-              <a:rPr lang="fr-FR" sz="1100" dirty="0" smtClean="0">
-                <a:latin typeface="Bahnschrift Light" panose="020B0502040204020203" pitchFamily="34" charset="0"/>
-              </a:rPr>
-              <a:t>: Cette étape est composé de plusieurs sous étapes complémentaires n’interférant pas entre elles.</a:t>
-            </a:r>
-          </a:p>
-          <a:p>
-            <a:pPr marL="171450" indent="-171450">
-              <a:buFont typeface="Arial" panose="020B0604020202020204" pitchFamily="34" charset="0"/>
-              <a:buChar char="•"/>
-            </a:pPr>
-            <a:r>
-              <a:rPr lang="fr-FR" sz="1100" b="1" dirty="0" smtClean="0">
-                <a:latin typeface="Bahnschrift Light" panose="020B0502040204020203" pitchFamily="34" charset="0"/>
-              </a:rPr>
-              <a:t>La visualisation 3D </a:t>
-            </a:r>
-            <a:r>
-              <a:rPr lang="fr-FR" sz="1100" dirty="0" smtClean="0">
-                <a:latin typeface="Bahnschrift Light" panose="020B0502040204020203" pitchFamily="34" charset="0"/>
-              </a:rPr>
-              <a:t>: Pas encore opérationnelle, cette étape sert essentiellement à faire le pont entre les données et le skate.</a:t>
-            </a:r>
-          </a:p>
-          <a:p>
-            <a:pPr marL="171450" indent="-171450">
-              <a:buFont typeface="Arial" panose="020B0604020202020204" pitchFamily="34" charset="0"/>
-              <a:buChar char="•"/>
-            </a:pPr>
-            <a:endParaRPr lang="fr-FR" sz="1100" dirty="0">
+              <a:t>Au moment de la détection d’événement un petit problème s’est posé car beaucoup d’événements détectés n’étaient pas des figures. Cependant notre méthode de classification permettait de passer outre. En effet, afin de savoir quelle figure correspondait à l’événement détecté, nous avons comparé ce dernier à des figures de références. La figure correspondant à l’événement était celle qui « ressemblait le plus à l’événement ». Dans notre cas, nous avons choisi la figure de référence qui minimisait la distance euclidienne avec l’événement. La figure était attribuée si la distance était en dessous d’un certain seuil, sinon elle était considérée comme un mouvement de transition.</a:t>
+            </a:r>
+            <a:endParaRPr lang="fr-FR" sz="1100" dirty="0" smtClean="0">
               <a:latin typeface="Bahnschrift Light" panose="020B0502040204020203" pitchFamily="34" charset="0"/>
             </a:endParaRPr>
           </a:p>
-          <a:p>
-            <a:r>
-              <a:rPr lang="fr-FR" sz="1100" dirty="0" smtClean="0">
-                <a:latin typeface="Bahnschrift Light" panose="020B0502040204020203" pitchFamily="34" charset="0"/>
-              </a:rPr>
-              <a:t>Dans ce document, nous présenterons surtout les résultats obtenus durant l’étape d’analyse des données, et plus particulièrement de reconnaissance de figure.</a:t>
-            </a:r>
-          </a:p>
-        </p:txBody>
-      </p:sp>
-      <p:sp>
-        <p:nvSpPr>
-          <p:cNvPr id="10" name="ZoneTexte 9"/>
+        </p:txBody>
+      </p:sp>
+      <p:sp>
+        <p:nvSpPr>
+          <p:cNvPr id="3" name="ZoneTexte 2"/>
           <p:cNvSpPr txBox="1"/>
           <p:nvPr/>
         </p:nvSpPr>
         <p:spPr>
           <a:xfrm>
-            <a:off x="6323242" y="967958"/>
-            <a:ext cx="2880000" cy="923330"/>
+            <a:off x="7453817" y="2311676"/>
+            <a:ext cx="1378904" cy="600164"/>
           </a:xfrm>
           <a:prstGeom prst="rect">
             <a:avLst/>
           </a:prstGeom>
           <a:noFill/>
-          <a:ln>
-            <a:solidFill>
-              <a:schemeClr val="accent1"/>
-            </a:solidFill>
-          </a:ln>
         </p:spPr>
         <p:txBody>
-          <a:bodyPr wrap="square" rtlCol="0">
+          <a:bodyPr wrap="none" rtlCol="0">
             <a:spAutoFit/>
           </a:bodyPr>
           <a:lstStyle/>
           <a:p>
-            <a:r>
-              <a:rPr lang="fr-FR" dirty="0" smtClean="0">
-                <a:latin typeface="Bahnschrift Condensed" panose="020B0502040204020203" pitchFamily="34" charset="0"/>
-              </a:rPr>
-              <a:t>L’analyse des données</a:t>
-            </a:r>
-          </a:p>
-          <a:p>
-            <a:r>
-              <a:rPr lang="fr-FR" sz="1400" dirty="0" smtClean="0">
-                <a:solidFill>
-                  <a:schemeClr val="bg2">
-                    <a:lumMod val="50000"/>
-                  </a:schemeClr>
-                </a:solidFill>
-                <a:latin typeface="Bahnschrift Condensed" panose="020B0502040204020203" pitchFamily="34" charset="0"/>
-              </a:rPr>
-              <a:t>La reconnaissance de figure</a:t>
-            </a:r>
-          </a:p>
-          <a:p>
+            <a:pPr marL="171450" indent="-171450" algn="just">
+              <a:buFont typeface="Arial" panose="020B0604020202020204" pitchFamily="34" charset="0"/>
+              <a:buChar char="•"/>
+            </a:pPr>
+            <a:r>
+              <a:rPr lang="fr-FR" sz="1100" dirty="0" err="1">
+                <a:latin typeface="Bahnschrift Light" panose="020B0502040204020203" pitchFamily="34" charset="0"/>
+              </a:rPr>
+              <a:t>Frontside</a:t>
+            </a:r>
+            <a:r>
+              <a:rPr lang="fr-FR" sz="1100" dirty="0">
+                <a:latin typeface="Bahnschrift Light" panose="020B0502040204020203" pitchFamily="34" charset="0"/>
+              </a:rPr>
+              <a:t> </a:t>
+            </a:r>
+            <a:r>
+              <a:rPr lang="fr-FR" sz="1100" dirty="0" err="1">
+                <a:latin typeface="Bahnschrift Light" panose="020B0502040204020203" pitchFamily="34" charset="0"/>
+              </a:rPr>
+              <a:t>shovit</a:t>
+            </a:r>
             <a:endParaRPr lang="fr-FR" sz="1100" dirty="0">
-              <a:latin typeface="Bahnschrift" panose="020B0502040204020203" pitchFamily="34" charset="0"/>
-            </a:endParaRPr>
-          </a:p>
-          <a:p>
-            <a:endParaRPr lang="fr-FR" sz="1100" dirty="0" smtClean="0">
-              <a:latin typeface="Bahnschrift Condensed" panose="020B0502040204020203" pitchFamily="34" charset="0"/>
-            </a:endParaRPr>
-          </a:p>
-        </p:txBody>
-      </p:sp>
-      <p:sp>
-        <p:nvSpPr>
-          <p:cNvPr id="11" name="ZoneTexte 10"/>
+              <a:latin typeface="Bahnschrift Light" panose="020B0502040204020203" pitchFamily="34" charset="0"/>
+            </a:endParaRPr>
+          </a:p>
+          <a:p>
+            <a:pPr marL="171450" indent="-171450" algn="just">
+              <a:buFont typeface="Arial" panose="020B0604020202020204" pitchFamily="34" charset="0"/>
+              <a:buChar char="•"/>
+            </a:pPr>
+            <a:r>
+              <a:rPr lang="fr-FR" sz="1100" dirty="0">
+                <a:latin typeface="Bahnschrift Light" panose="020B0502040204020203" pitchFamily="34" charset="0"/>
+              </a:rPr>
+              <a:t>Pop </a:t>
+            </a:r>
+            <a:r>
+              <a:rPr lang="fr-FR" sz="1100" dirty="0" err="1">
+                <a:latin typeface="Bahnschrift Light" panose="020B0502040204020203" pitchFamily="34" charset="0"/>
+              </a:rPr>
+              <a:t>shovit</a:t>
+            </a:r>
+            <a:endParaRPr lang="fr-FR" sz="1100" dirty="0">
+              <a:latin typeface="Bahnschrift Light" panose="020B0502040204020203" pitchFamily="34" charset="0"/>
+            </a:endParaRPr>
+          </a:p>
+          <a:p>
+            <a:pPr marL="171450" indent="-171450" algn="just">
+              <a:buFont typeface="Arial" panose="020B0604020202020204" pitchFamily="34" charset="0"/>
+              <a:buChar char="•"/>
+            </a:pPr>
+            <a:r>
+              <a:rPr lang="fr-FR" sz="1100" dirty="0">
+                <a:latin typeface="Bahnschrift Light" panose="020B0502040204020203" pitchFamily="34" charset="0"/>
+              </a:rPr>
+              <a:t>360 </a:t>
+            </a:r>
+            <a:r>
+              <a:rPr lang="fr-FR" sz="1100" dirty="0" smtClean="0">
+                <a:latin typeface="Bahnschrift Light" panose="020B0502040204020203" pitchFamily="34" charset="0"/>
+              </a:rPr>
+              <a:t>flip</a:t>
+            </a:r>
+            <a:endParaRPr lang="fr-FR" sz="1100" dirty="0">
+              <a:latin typeface="Bahnschrift Light" panose="020B0502040204020203" pitchFamily="34" charset="0"/>
+            </a:endParaRPr>
+          </a:p>
+        </p:txBody>
+      </p:sp>
+      <p:pic>
+        <p:nvPicPr>
+          <p:cNvPr id="16" name="Image 15"/>
+          <p:cNvPicPr>
+            <a:picLocks noChangeAspect="1"/>
+          </p:cNvPicPr>
+          <p:nvPr/>
+        </p:nvPicPr>
+        <p:blipFill>
+          <a:blip r:embed="rId3" cstate="print">
+            <a:extLst>
+              <a:ext uri="{28A0092B-C50C-407E-A947-70E740481C1C}">
+                <a14:useLocalDpi xmlns:a14="http://schemas.microsoft.com/office/drawing/2010/main" val="0"/>
+              </a:ext>
+            </a:extLst>
+          </a:blip>
+          <a:stretch>
+            <a:fillRect/>
+          </a:stretch>
+        </p:blipFill>
+        <p:spPr>
+          <a:xfrm>
+            <a:off x="10265957" y="-13793"/>
+            <a:ext cx="969918" cy="969918"/>
+          </a:xfrm>
+          <a:prstGeom prst="rect">
+            <a:avLst/>
+          </a:prstGeom>
+        </p:spPr>
+      </p:pic>
+      <p:pic>
+        <p:nvPicPr>
+          <p:cNvPr id="17" name="Image 16"/>
+          <p:cNvPicPr>
+            <a:picLocks noChangeAspect="1"/>
+          </p:cNvPicPr>
+          <p:nvPr/>
+        </p:nvPicPr>
+        <p:blipFill>
+          <a:blip r:embed="rId4">
+            <a:extLst>
+              <a:ext uri="{28A0092B-C50C-407E-A947-70E740481C1C}">
+                <a14:useLocalDpi xmlns:a14="http://schemas.microsoft.com/office/drawing/2010/main" val="0"/>
+              </a:ext>
+            </a:extLst>
+          </a:blip>
+          <a:stretch>
+            <a:fillRect/>
+          </a:stretch>
+        </p:blipFill>
+        <p:spPr>
+          <a:xfrm>
+            <a:off x="11235875" y="0"/>
+            <a:ext cx="956125" cy="956125"/>
+          </a:xfrm>
+          <a:prstGeom prst="rect">
+            <a:avLst/>
+          </a:prstGeom>
+        </p:spPr>
+      </p:pic>
+      <p:sp>
+        <p:nvSpPr>
+          <p:cNvPr id="21" name="ZoneTexte 20"/>
           <p:cNvSpPr txBox="1"/>
           <p:nvPr/>
         </p:nvSpPr>
         <p:spPr>
           <a:xfrm>
-            <a:off x="3331437" y="967958"/>
-            <a:ext cx="2880000" cy="707886"/>
+            <a:off x="4500708" y="7415877"/>
+            <a:ext cx="1378904" cy="600164"/>
           </a:xfrm>
           <a:prstGeom prst="rect">
             <a:avLst/>
           </a:prstGeom>
           <a:noFill/>
-          <a:ln>
-            <a:solidFill>
-              <a:schemeClr val="accent1"/>
-            </a:solidFill>
-          </a:ln>
         </p:spPr>
         <p:txBody>
-          <a:bodyPr wrap="square" rtlCol="0">
+          <a:bodyPr wrap="none" rtlCol="0">
             <a:spAutoFit/>
           </a:bodyPr>
           <a:lstStyle/>
           <a:p>
-            <a:r>
-              <a:rPr lang="fr-FR" dirty="0" smtClean="0">
-                <a:latin typeface="Bahnschrift Condensed" panose="020B0502040204020203" pitchFamily="34" charset="0"/>
-              </a:rPr>
-              <a:t>Les enjeux</a:t>
-            </a:r>
-          </a:p>
-          <a:p>
-            <a:endParaRPr lang="fr-FR" sz="1100" dirty="0" smtClean="0">
-              <a:latin typeface="Bahnschrift" panose="020B0502040204020203" pitchFamily="34" charset="0"/>
-            </a:endParaRPr>
-          </a:p>
-          <a:p>
-            <a:endParaRPr lang="fr-FR" sz="1100" dirty="0" smtClean="0">
+            <a:pPr marL="171450" indent="-171450" algn="just">
+              <a:buFont typeface="Arial" panose="020B0604020202020204" pitchFamily="34" charset="0"/>
+              <a:buChar char="•"/>
+            </a:pPr>
+            <a:r>
+              <a:rPr lang="fr-FR" sz="1100" dirty="0" err="1">
+                <a:latin typeface="Bahnschrift Light" panose="020B0502040204020203" pitchFamily="34" charset="0"/>
+              </a:rPr>
+              <a:t>Frontside</a:t>
+            </a:r>
+            <a:r>
+              <a:rPr lang="fr-FR" sz="1100" dirty="0">
+                <a:latin typeface="Bahnschrift Light" panose="020B0502040204020203" pitchFamily="34" charset="0"/>
+              </a:rPr>
+              <a:t> </a:t>
+            </a:r>
+            <a:r>
+              <a:rPr lang="fr-FR" sz="1100" dirty="0" err="1">
+                <a:latin typeface="Bahnschrift Light" panose="020B0502040204020203" pitchFamily="34" charset="0"/>
+              </a:rPr>
+              <a:t>shovit</a:t>
+            </a:r>
+            <a:endParaRPr lang="fr-FR" sz="1100" dirty="0">
+              <a:latin typeface="Bahnschrift Light" panose="020B0502040204020203" pitchFamily="34" charset="0"/>
+            </a:endParaRPr>
+          </a:p>
+          <a:p>
+            <a:pPr marL="171450" indent="-171450" algn="just">
+              <a:buFont typeface="Arial" panose="020B0604020202020204" pitchFamily="34" charset="0"/>
+              <a:buChar char="•"/>
+            </a:pPr>
+            <a:r>
+              <a:rPr lang="fr-FR" sz="1100" dirty="0">
+                <a:latin typeface="Bahnschrift Light" panose="020B0502040204020203" pitchFamily="34" charset="0"/>
+              </a:rPr>
+              <a:t>Pop </a:t>
+            </a:r>
+            <a:r>
+              <a:rPr lang="fr-FR" sz="1100" dirty="0" err="1">
+                <a:latin typeface="Bahnschrift Light" panose="020B0502040204020203" pitchFamily="34" charset="0"/>
+              </a:rPr>
+              <a:t>shovit</a:t>
+            </a:r>
+            <a:endParaRPr lang="fr-FR" sz="1100" dirty="0">
+              <a:latin typeface="Bahnschrift Light" panose="020B0502040204020203" pitchFamily="34" charset="0"/>
+            </a:endParaRPr>
+          </a:p>
+          <a:p>
+            <a:pPr marL="171450" indent="-171450" algn="just">
+              <a:buFont typeface="Arial" panose="020B0604020202020204" pitchFamily="34" charset="0"/>
+              <a:buChar char="•"/>
+            </a:pPr>
+            <a:r>
+              <a:rPr lang="fr-FR" sz="1100" dirty="0">
+                <a:latin typeface="Bahnschrift Light" panose="020B0502040204020203" pitchFamily="34" charset="0"/>
+              </a:rPr>
+              <a:t>360 </a:t>
+            </a:r>
+            <a:r>
+              <a:rPr lang="fr-FR" sz="1100" dirty="0" smtClean="0">
+                <a:latin typeface="Bahnschrift Light" panose="020B0502040204020203" pitchFamily="34" charset="0"/>
+              </a:rPr>
+              <a:t>flip</a:t>
+            </a:r>
+            <a:endParaRPr lang="fr-FR" sz="1100" dirty="0">
               <a:latin typeface="Bahnschrift Light" panose="020B0502040204020203" pitchFamily="34" charset="0"/>
             </a:endParaRPr>
           </a:p>
@@ -3538,7 +5582,7 @@
     </p:spTree>
     <p:extLst>
       <p:ext uri="{BB962C8B-B14F-4D97-AF65-F5344CB8AC3E}">
-        <p14:creationId xmlns:p14="http://schemas.microsoft.com/office/powerpoint/2010/main" val="3536096910"/>
+        <p14:creationId xmlns:p14="http://schemas.microsoft.com/office/powerpoint/2010/main" val="2972354012"/>
       </p:ext>
     </p:extLst>
   </p:cSld>
@@ -3814,4 +5858,265 @@
     </a:ext>
   </a:extLst>
 </a:theme>
+</file>
+
+<file path=ppt/theme/theme2.xml><?xml version="1.0" encoding="utf-8"?>
+<a:theme xmlns:a="http://schemas.openxmlformats.org/drawingml/2006/main" name="Thème Office">
+  <a:themeElements>
+    <a:clrScheme name="Office">
+      <a:dk1>
+        <a:sysClr val="windowText" lastClr="000000"/>
+      </a:dk1>
+      <a:lt1>
+        <a:sysClr val="window" lastClr="FFFFFF"/>
+      </a:lt1>
+      <a:dk2>
+        <a:srgbClr val="44546A"/>
+      </a:dk2>
+      <a:lt2>
+        <a:srgbClr val="E7E6E6"/>
+      </a:lt2>
+      <a:accent1>
+        <a:srgbClr val="5B9BD5"/>
+      </a:accent1>
+      <a:accent2>
+        <a:srgbClr val="ED7D31"/>
+      </a:accent2>
+      <a:accent3>
+        <a:srgbClr val="A5A5A5"/>
+      </a:accent3>
+      <a:accent4>
+        <a:srgbClr val="FFC000"/>
+      </a:accent4>
+      <a:accent5>
+        <a:srgbClr val="4472C4"/>
+      </a:accent5>
+      <a:accent6>
+        <a:srgbClr val="70AD47"/>
+      </a:accent6>
+      <a:hlink>
+        <a:srgbClr val="0563C1"/>
+      </a:hlink>
+      <a:folHlink>
+        <a:srgbClr val="954F72"/>
+      </a:folHlink>
+    </a:clrScheme>
+    <a:fontScheme name="Office">
+      <a:majorFont>
+        <a:latin typeface="Calibri Light" panose="020F0302020204030204"/>
+        <a:ea typeface=""/>
+        <a:cs typeface=""/>
+        <a:font script="Jpan" typeface="游ゴシック Light"/>
+        <a:font script="Hang" typeface="맑은 고딕"/>
+        <a:font script="Hans" typeface="等线 Light"/>
+        <a:font script="Hant" typeface="新細明體"/>
+        <a:font script="Arab" typeface="Times New Roman"/>
+        <a:font script="Hebr" typeface="Times New Roman"/>
+        <a:font script="Thai" typeface="Angsana New"/>
+        <a:font script="Ethi" typeface="Nyala"/>
+        <a:font script="Beng" typeface="Vrinda"/>
+        <a:font script="Gujr" typeface="Shruti"/>
+        <a:font script="Khmr" typeface="MoolBoran"/>
+        <a:font script="Knda" typeface="Tunga"/>
+        <a:font script="Guru" typeface="Raavi"/>
+        <a:font script="Cans" typeface="Euphemia"/>
+        <a:font script="Cher" typeface="Plantagenet Cherokee"/>
+        <a:font script="Yiii" typeface="Microsoft Yi Baiti"/>
+        <a:font script="Tibt" typeface="Microsoft Himalaya"/>
+        <a:font script="Thaa" typeface="MV Boli"/>
+        <a:font script="Deva" typeface="Mangal"/>
+        <a:font script="Telu" typeface="Gautami"/>
+        <a:font script="Taml" typeface="Latha"/>
+        <a:font script="Syrc" typeface="Estrangelo Edessa"/>
+        <a:font script="Orya" typeface="Kalinga"/>
+        <a:font script="Mlym" typeface="Kartika"/>
+        <a:font script="Laoo" typeface="DokChampa"/>
+        <a:font script="Sinh" typeface="Iskoola Pota"/>
+        <a:font script="Mong" typeface="Mongolian Baiti"/>
+        <a:font script="Viet" typeface="Times New Roman"/>
+        <a:font script="Uigh" typeface="Microsoft Uighur"/>
+        <a:font script="Geor" typeface="Sylfaen"/>
+      </a:majorFont>
+      <a:minorFont>
+        <a:latin typeface="Calibri" panose="020F0502020204030204"/>
+        <a:ea typeface=""/>
+        <a:cs typeface=""/>
+        <a:font script="Jpan" typeface="游ゴシック"/>
+        <a:font script="Hang" typeface="맑은 고딕"/>
+        <a:font script="Hans" typeface="等线"/>
+        <a:font script="Hant" typeface="新細明體"/>
+        <a:font script="Arab" typeface="Arial"/>
+        <a:font script="Hebr" typeface="Arial"/>
+        <a:font script="Thai" typeface="Cordia New"/>
+        <a:font script="Ethi" typeface="Nyala"/>
+        <a:font script="Beng" typeface="Vrinda"/>
+        <a:font script="Gujr" typeface="Shruti"/>
+        <a:font script="Khmr" typeface="DaunPenh"/>
+        <a:font script="Knda" typeface="Tunga"/>
+        <a:font script="Guru" typeface="Raavi"/>
+        <a:font script="Cans" typeface="Euphemia"/>
+        <a:font script="Cher" typeface="Plantagenet Cherokee"/>
+        <a:font script="Yiii" typeface="Microsoft Yi Baiti"/>
+        <a:font script="Tibt" typeface="Microsoft Himalaya"/>
+        <a:font script="Thaa" typeface="MV Boli"/>
+        <a:font script="Deva" typeface="Mangal"/>
+        <a:font script="Telu" typeface="Gautami"/>
+        <a:font script="Taml" typeface="Latha"/>
+        <a:font script="Syrc" typeface="Estrangelo Edessa"/>
+        <a:font script="Orya" typeface="Kalinga"/>
+        <a:font script="Mlym" typeface="Kartika"/>
+        <a:font script="Laoo" typeface="DokChampa"/>
+        <a:font script="Sinh" typeface="Iskoola Pota"/>
+        <a:font script="Mong" typeface="Mongolian Baiti"/>
+        <a:font script="Viet" typeface="Arial"/>
+        <a:font script="Uigh" typeface="Microsoft Uighur"/>
+        <a:font script="Geor" typeface="Sylfaen"/>
+      </a:minorFont>
+    </a:fontScheme>
+    <a:fmtScheme name="Office">
+      <a:fillStyleLst>
+        <a:solidFill>
+          <a:schemeClr val="phClr"/>
+        </a:solidFill>
+        <a:gradFill rotWithShape="1">
+          <a:gsLst>
+            <a:gs pos="0">
+              <a:schemeClr val="phClr">
+                <a:lumMod val="110000"/>
+                <a:satMod val="105000"/>
+                <a:tint val="67000"/>
+              </a:schemeClr>
+            </a:gs>
+            <a:gs pos="50000">
+              <a:schemeClr val="phClr">
+                <a:lumMod val="105000"/>
+                <a:satMod val="103000"/>
+                <a:tint val="73000"/>
+              </a:schemeClr>
+            </a:gs>
+            <a:gs pos="100000">
+              <a:schemeClr val="phClr">
+                <a:lumMod val="105000"/>
+                <a:satMod val="109000"/>
+                <a:tint val="81000"/>
+              </a:schemeClr>
+            </a:gs>
+          </a:gsLst>
+          <a:lin ang="5400000" scaled="0"/>
+        </a:gradFill>
+        <a:gradFill rotWithShape="1">
+          <a:gsLst>
+            <a:gs pos="0">
+              <a:schemeClr val="phClr">
+                <a:satMod val="103000"/>
+                <a:lumMod val="102000"/>
+                <a:tint val="94000"/>
+              </a:schemeClr>
+            </a:gs>
+            <a:gs pos="50000">
+              <a:schemeClr val="phClr">
+                <a:satMod val="110000"/>
+                <a:lumMod val="100000"/>
+                <a:shade val="100000"/>
+              </a:schemeClr>
+            </a:gs>
+            <a:gs pos="100000">
+              <a:schemeClr val="phClr">
+                <a:lumMod val="99000"/>
+                <a:satMod val="120000"/>
+                <a:shade val="78000"/>
+              </a:schemeClr>
+            </a:gs>
+          </a:gsLst>
+          <a:lin ang="5400000" scaled="0"/>
+        </a:gradFill>
+      </a:fillStyleLst>
+      <a:lnStyleLst>
+        <a:ln w="6350" cap="flat" cmpd="sng" algn="ctr">
+          <a:solidFill>
+            <a:schemeClr val="phClr"/>
+          </a:solidFill>
+          <a:prstDash val="solid"/>
+          <a:miter lim="800000"/>
+        </a:ln>
+        <a:ln w="12700" cap="flat" cmpd="sng" algn="ctr">
+          <a:solidFill>
+            <a:schemeClr val="phClr"/>
+          </a:solidFill>
+          <a:prstDash val="solid"/>
+          <a:miter lim="800000"/>
+        </a:ln>
+        <a:ln w="19050" cap="flat" cmpd="sng" algn="ctr">
+          <a:solidFill>
+            <a:schemeClr val="phClr"/>
+          </a:solidFill>
+          <a:prstDash val="solid"/>
+          <a:miter lim="800000"/>
+        </a:ln>
+      </a:lnStyleLst>
+      <a:effectStyleLst>
+        <a:effectStyle>
+          <a:effectLst/>
+        </a:effectStyle>
+        <a:effectStyle>
+          <a:effectLst/>
+        </a:effectStyle>
+        <a:effectStyle>
+          <a:effectLst>
+            <a:outerShdw blurRad="57150" dist="19050" dir="5400000" algn="ctr" rotWithShape="0">
+              <a:srgbClr val="000000">
+                <a:alpha val="63000"/>
+              </a:srgbClr>
+            </a:outerShdw>
+          </a:effectLst>
+        </a:effectStyle>
+      </a:effectStyleLst>
+      <a:bgFillStyleLst>
+        <a:solidFill>
+          <a:schemeClr val="phClr"/>
+        </a:solidFill>
+        <a:solidFill>
+          <a:schemeClr val="phClr">
+            <a:tint val="95000"/>
+            <a:satMod val="170000"/>
+          </a:schemeClr>
+        </a:solidFill>
+        <a:gradFill rotWithShape="1">
+          <a:gsLst>
+            <a:gs pos="0">
+              <a:schemeClr val="phClr">
+                <a:tint val="93000"/>
+                <a:satMod val="150000"/>
+                <a:shade val="98000"/>
+                <a:lumMod val="102000"/>
+              </a:schemeClr>
+            </a:gs>
+            <a:gs pos="50000">
+              <a:schemeClr val="phClr">
+                <a:tint val="98000"/>
+                <a:satMod val="130000"/>
+                <a:shade val="90000"/>
+                <a:lumMod val="103000"/>
+              </a:schemeClr>
+            </a:gs>
+            <a:gs pos="100000">
+              <a:schemeClr val="phClr">
+                <a:shade val="63000"/>
+                <a:satMod val="120000"/>
+              </a:schemeClr>
+            </a:gs>
+          </a:gsLst>
+          <a:lin ang="5400000" scaled="0"/>
+        </a:gradFill>
+      </a:bgFillStyleLst>
+    </a:fmtScheme>
+  </a:themeElements>
+  <a:objectDefaults/>
+  <a:extraClrSchemeLst/>
+  <a:extLst>
+    <a:ext uri="{05A4C25C-085E-4340-85A3-A5531E510DB2}">
+      <thm15:themeFamily xmlns:thm15="http://schemas.microsoft.com/office/thememl/2012/main" name="Office Theme" id="{62F939B6-93AF-4DB8-9C6B-D6C7DFDC589F}" vid="{4A3C46E8-61CC-4603-A589-7422A47A8E4A}"/>
+    </a:ext>
+  </a:extLst>
+</a:theme>
 </file>